--- a/TomP2PTrials/files/presentations/InterimPresentation.pptx
+++ b/TomP2PTrials/files/presentations/InterimPresentation.pptx
@@ -5,7 +5,7 @@
     <p:sldMasterId id="2147483648" r:id="rId1"/>
   </p:sldMasterIdLst>
   <p:notesMasterIdLst>
-    <p:notesMasterId r:id="rId18"/>
+    <p:notesMasterId r:id="rId17"/>
   </p:notesMasterIdLst>
   <p:sldIdLst>
     <p:sldId id="256" r:id="rId2"/>
@@ -22,8 +22,7 @@
     <p:sldId id="274" r:id="rId13"/>
     <p:sldId id="269" r:id="rId14"/>
     <p:sldId id="262" r:id="rId15"/>
-    <p:sldId id="263" r:id="rId16"/>
-    <p:sldId id="264" r:id="rId17"/>
+    <p:sldId id="264" r:id="rId16"/>
   </p:sldIdLst>
   <p:sldSz cx="12192000" cy="6858000"/>
   <p:notesSz cx="6858000" cy="9144000"/>
@@ -212,7 +211,7 @@
           <a:p>
             <a:fld id="{99576E27-9564-4972-908B-8676F7196525}" type="datetimeFigureOut">
               <a:rPr lang="de-CH" smtClean="0"/>
-              <a:t>07.02.2016</a:t>
+              <a:t>08.02.2016</a:t>
             </a:fld>
             <a:endParaRPr lang="de-CH"/>
           </a:p>
@@ -974,90 +973,6 @@
     </p:spTree>
     <p:extLst>
       <p:ext uri="{BB962C8B-B14F-4D97-AF65-F5344CB8AC3E}">
-        <p14:creationId xmlns:p14="http://schemas.microsoft.com/office/powerpoint/2010/main" val="2771835499"/>
-      </p:ext>
-    </p:extLst>
-  </p:cSld>
-  <p:clrMapOvr>
-    <a:masterClrMapping/>
-  </p:clrMapOvr>
-</p:notes>
-</file>
-
-<file path=ppt/notesSlides/notesSlide15.xml><?xml version="1.0" encoding="utf-8"?>
-<p:notes xmlns:a="http://schemas.openxmlformats.org/drawingml/2006/main" xmlns:r="http://schemas.openxmlformats.org/officeDocument/2006/relationships" xmlns:p="http://schemas.openxmlformats.org/presentationml/2006/main">
-  <p:cSld>
-    <p:spTree>
-      <p:nvGrpSpPr>
-        <p:cNvPr id="1" name=""/>
-        <p:cNvGrpSpPr/>
-        <p:nvPr/>
-      </p:nvGrpSpPr>
-      <p:grpSpPr>
-        <a:xfrm>
-          <a:off x="0" y="0"/>
-          <a:ext cx="0" cy="0"/>
-          <a:chOff x="0" y="0"/>
-          <a:chExt cx="0" cy="0"/>
-        </a:xfrm>
-      </p:grpSpPr>
-      <p:sp>
-        <p:nvSpPr>
-          <p:cNvPr id="2" name="Folienbildplatzhalter 1"/>
-          <p:cNvSpPr>
-            <a:spLocks noGrp="1" noRot="1" noChangeAspect="1"/>
-          </p:cNvSpPr>
-          <p:nvPr>
-            <p:ph type="sldImg"/>
-          </p:nvPr>
-        </p:nvSpPr>
-        <p:spPr/>
-      </p:sp>
-      <p:sp>
-        <p:nvSpPr>
-          <p:cNvPr id="3" name="Notizenplatzhalter 2"/>
-          <p:cNvSpPr>
-            <a:spLocks noGrp="1"/>
-          </p:cNvSpPr>
-          <p:nvPr>
-            <p:ph type="body" idx="1"/>
-          </p:nvPr>
-        </p:nvSpPr>
-        <p:spPr/>
-        <p:txBody>
-          <a:bodyPr/>
-          <a:lstStyle/>
-          <a:p>
-            <a:endParaRPr lang="de-CH"/>
-          </a:p>
-        </p:txBody>
-      </p:sp>
-      <p:sp>
-        <p:nvSpPr>
-          <p:cNvPr id="4" name="Foliennummernplatzhalter 3"/>
-          <p:cNvSpPr>
-            <a:spLocks noGrp="1"/>
-          </p:cNvSpPr>
-          <p:nvPr>
-            <p:ph type="sldNum" sz="quarter" idx="10"/>
-          </p:nvPr>
-        </p:nvSpPr>
-        <p:spPr/>
-        <p:txBody>
-          <a:bodyPr/>
-          <a:lstStyle/>
-          <a:p>
-            <a:fld id="{D6E7E57D-2A1F-488D-8A75-B52E7B2726D7}" type="slidenum">
-              <a:rPr lang="de-CH" smtClean="0"/>
-              <a:t>16</a:t>
-            </a:fld>
-            <a:endParaRPr lang="de-CH"/>
-          </a:p>
-        </p:txBody>
-      </p:sp>
-    </p:spTree>
-    <p:extLst>
-      <p:ext uri="{BB962C8B-B14F-4D97-AF65-F5344CB8AC3E}">
         <p14:creationId xmlns:p14="http://schemas.microsoft.com/office/powerpoint/2010/main" val="715299516"/>
       </p:ext>
     </p:extLst>
@@ -1871,7 +1786,7 @@
           <a:p>
             <a:fld id="{B46BDA74-2BBF-4BBD-8980-54B91252B539}" type="datetime1">
               <a:rPr lang="de-CH" smtClean="0"/>
-              <a:t>07.02.2016</a:t>
+              <a:t>08.02.2016</a:t>
             </a:fld>
             <a:endParaRPr lang="de-CH"/>
           </a:p>
@@ -2041,7 +1956,7 @@
           <a:p>
             <a:fld id="{76E794A7-E952-4088-BD0F-90F6C112B9C7}" type="datetime1">
               <a:rPr lang="de-CH" smtClean="0"/>
-              <a:t>07.02.2016</a:t>
+              <a:t>08.02.2016</a:t>
             </a:fld>
             <a:endParaRPr lang="de-CH"/>
           </a:p>
@@ -2221,7 +2136,7 @@
           <a:p>
             <a:fld id="{4A146924-CA12-4FFC-98A4-C28165C0236F}" type="datetime1">
               <a:rPr lang="de-CH" smtClean="0"/>
-              <a:t>07.02.2016</a:t>
+              <a:t>08.02.2016</a:t>
             </a:fld>
             <a:endParaRPr lang="de-CH"/>
           </a:p>
@@ -2391,7 +2306,7 @@
           <a:p>
             <a:fld id="{02413FEC-0EE8-477E-83C8-AC0EDF8E6696}" type="datetime1">
               <a:rPr lang="de-CH" smtClean="0"/>
-              <a:t>07.02.2016</a:t>
+              <a:t>08.02.2016</a:t>
             </a:fld>
             <a:endParaRPr lang="de-CH"/>
           </a:p>
@@ -2637,7 +2552,7 @@
           <a:p>
             <a:fld id="{91AE50BC-5E93-44E0-A85F-8981D09E16E7}" type="datetime1">
               <a:rPr lang="de-CH" smtClean="0"/>
-              <a:t>07.02.2016</a:t>
+              <a:t>08.02.2016</a:t>
             </a:fld>
             <a:endParaRPr lang="de-CH"/>
           </a:p>
@@ -2869,7 +2784,7 @@
           <a:p>
             <a:fld id="{A6EB289C-A267-47FB-A900-17A714DEA953}" type="datetime1">
               <a:rPr lang="de-CH" smtClean="0"/>
-              <a:t>07.02.2016</a:t>
+              <a:t>08.02.2016</a:t>
             </a:fld>
             <a:endParaRPr lang="de-CH"/>
           </a:p>
@@ -3236,7 +3151,7 @@
           <a:p>
             <a:fld id="{930561B0-FDFF-4E1F-BE59-F0F562B8A398}" type="datetime1">
               <a:rPr lang="de-CH" smtClean="0"/>
-              <a:t>07.02.2016</a:t>
+              <a:t>08.02.2016</a:t>
             </a:fld>
             <a:endParaRPr lang="de-CH"/>
           </a:p>
@@ -3354,7 +3269,7 @@
           <a:p>
             <a:fld id="{8AD181F7-3A35-4606-8804-7A31D245895A}" type="datetime1">
               <a:rPr lang="de-CH" smtClean="0"/>
-              <a:t>07.02.2016</a:t>
+              <a:t>08.02.2016</a:t>
             </a:fld>
             <a:endParaRPr lang="de-CH"/>
           </a:p>
@@ -3449,7 +3364,7 @@
           <a:p>
             <a:fld id="{9E4D105B-D672-453E-8FB2-25E2CE13F8A7}" type="datetime1">
               <a:rPr lang="de-CH" smtClean="0"/>
-              <a:t>07.02.2016</a:t>
+              <a:t>08.02.2016</a:t>
             </a:fld>
             <a:endParaRPr lang="de-CH"/>
           </a:p>
@@ -3726,7 +3641,7 @@
           <a:p>
             <a:fld id="{2287355A-C0CB-4BD3-B794-19866BE3E3B0}" type="datetime1">
               <a:rPr lang="de-CH" smtClean="0"/>
-              <a:t>07.02.2016</a:t>
+              <a:t>08.02.2016</a:t>
             </a:fld>
             <a:endParaRPr lang="de-CH"/>
           </a:p>
@@ -3979,7 +3894,7 @@
           <a:p>
             <a:fld id="{83AF7190-70CB-40A6-8E38-0747F7B1D55D}" type="datetime1">
               <a:rPr lang="de-CH" smtClean="0"/>
-              <a:t>07.02.2016</a:t>
+              <a:t>08.02.2016</a:t>
             </a:fld>
             <a:endParaRPr lang="de-CH"/>
           </a:p>
@@ -4204,7 +4119,7 @@
           <a:p>
             <a:fld id="{B0972187-570A-4C82-BBCB-FBF1C44DD936}" type="datetime1">
               <a:rPr lang="de-CH" smtClean="0"/>
-              <a:t>07.02.2016</a:t>
+              <a:t>08.02.2016</a:t>
             </a:fld>
             <a:endParaRPr lang="de-CH"/>
           </a:p>
@@ -4754,7 +4669,17 @@
                 <a:latin typeface="Corbel" panose="020B0503020204020204" pitchFamily="34" charset="0"/>
                 <a:cs typeface="Segoe UI" panose="020B0502040204020203" pitchFamily="34" charset="0"/>
               </a:rPr>
-              <a:t>Oliver Zihler</a:t>
+              <a:t>Oliver </a:t>
+            </a:r>
+            <a:r>
+              <a:rPr lang="de-CH" sz="3600" dirty="0" smtClean="0">
+                <a:solidFill>
+                  <a:schemeClr val="bg1"/>
+                </a:solidFill>
+                <a:latin typeface="Corbel" panose="020B0503020204020204" pitchFamily="34" charset="0"/>
+                <a:cs typeface="Segoe UI" panose="020B0502040204020203" pitchFamily="34" charset="0"/>
+              </a:rPr>
+              <a:t>Zihler</a:t>
             </a:r>
             <a:endParaRPr lang="de-CH" sz="3600" dirty="0">
               <a:solidFill>
@@ -5056,8 +4981,8 @@
         </p:nvSpPr>
         <p:spPr>
           <a:xfrm>
-            <a:off x="872278" y="1256477"/>
-            <a:ext cx="1568763" cy="369332"/>
+            <a:off x="745278" y="1256477"/>
+            <a:ext cx="2081980" cy="369332"/>
           </a:xfrm>
           <a:prstGeom prst="rect">
             <a:avLst/>
@@ -5071,7 +4996,7 @@
           <a:lstStyle/>
           <a:p>
             <a:r>
-              <a:rPr lang="de-CH" b="1" dirty="0" smtClean="0">
+              <a:rPr lang="de-CH" b="1" dirty="0" err="1" smtClean="0">
                 <a:solidFill>
                   <a:schemeClr val="bg1">
                     <a:lumMod val="65000"/>
@@ -5079,7 +5004,18 @@
                 </a:solidFill>
                 <a:latin typeface="Corbel" panose="020B0503020204020204" pitchFamily="34" charset="0"/>
               </a:rPr>
-              <a:t>Task Domains</a:t>
+              <a:t>from</a:t>
+            </a:r>
+            <a:r>
+              <a:rPr lang="de-CH" b="1" dirty="0" smtClean="0">
+                <a:solidFill>
+                  <a:schemeClr val="bg1">
+                    <a:lumMod val="65000"/>
+                  </a:schemeClr>
+                </a:solidFill>
+                <a:latin typeface="Corbel" panose="020B0503020204020204" pitchFamily="34" charset="0"/>
+              </a:rPr>
+              <a:t> Task Domains</a:t>
             </a:r>
             <a:endParaRPr lang="de-CH" b="1" dirty="0">
               <a:solidFill>
@@ -5100,8 +5036,8 @@
         </p:nvSpPr>
         <p:spPr>
           <a:xfrm>
-            <a:off x="4890156" y="1256477"/>
-            <a:ext cx="2039341" cy="369332"/>
+            <a:off x="4763156" y="1256477"/>
+            <a:ext cx="2303836" cy="369332"/>
           </a:xfrm>
           <a:prstGeom prst="rect">
             <a:avLst/>
@@ -5114,6 +5050,28 @@
           </a:bodyPr>
           <a:lstStyle/>
           <a:p>
+            <a:r>
+              <a:rPr lang="de-CH" b="1" dirty="0" err="1" smtClean="0">
+                <a:solidFill>
+                  <a:schemeClr val="bg1">
+                    <a:lumMod val="65000"/>
+                  </a:schemeClr>
+                </a:solidFill>
+                <a:latin typeface="Corbel" panose="020B0503020204020204" pitchFamily="34" charset="0"/>
+              </a:rPr>
+              <a:t>to</a:t>
+            </a:r>
+            <a:r>
+              <a:rPr lang="de-CH" b="1" dirty="0" smtClean="0">
+                <a:solidFill>
+                  <a:schemeClr val="bg1">
+                    <a:lumMod val="65000"/>
+                  </a:schemeClr>
+                </a:solidFill>
+                <a:latin typeface="Corbel" panose="020B0503020204020204" pitchFamily="34" charset="0"/>
+              </a:rPr>
+              <a:t> </a:t>
+            </a:r>
             <a:r>
               <a:rPr lang="de-CH" b="1" dirty="0" err="1" smtClean="0">
                 <a:solidFill>
@@ -8142,7 +8100,7 @@
         <p:spPr>
           <a:xfrm>
             <a:off x="10061932" y="1286025"/>
-            <a:ext cx="1189749" cy="369332"/>
+            <a:ext cx="1609993" cy="369332"/>
           </a:xfrm>
           <a:prstGeom prst="rect">
             <a:avLst/>
@@ -8164,7 +8122,7 @@
                 </a:solidFill>
                 <a:latin typeface="Corbel" panose="020B0503020204020204" pitchFamily="34" charset="0"/>
               </a:rPr>
-              <a:t>Broadcast</a:t>
+              <a:t>Broadcast TDs</a:t>
             </a:r>
             <a:endParaRPr lang="de-CH" b="1" dirty="0">
               <a:solidFill>
@@ -9734,8 +9692,8 @@
         </p:nvSpPr>
         <p:spPr>
           <a:xfrm>
-            <a:off x="4448859" y="2238265"/>
-            <a:ext cx="1013221" cy="4118085"/>
+            <a:off x="4168820" y="2238265"/>
+            <a:ext cx="1584289" cy="4118085"/>
           </a:xfrm>
           <a:prstGeom prst="rect">
             <a:avLst/>
@@ -9766,21 +9724,15 @@
           </a:fontRef>
         </p:style>
         <p:txBody>
-          <a:bodyPr rtlCol="0" anchor="ctr"/>
+          <a:bodyPr rtlCol="0" anchor="t" anchorCtr="0"/>
           <a:lstStyle/>
           <a:p>
             <a:pPr algn="ctr"/>
             <a:r>
-              <a:rPr lang="de-CH" b="1" dirty="0" smtClean="0"/>
-              <a:t>Word</a:t>
-            </a:r>
-          </a:p>
-          <a:p>
-            <a:pPr algn="ctr"/>
-            <a:r>
-              <a:rPr lang="de-CH" b="1" dirty="0" smtClean="0"/>
-              <a:t>Count</a:t>
-            </a:r>
+              <a:rPr lang="de-CH" b="1" dirty="0" err="1" smtClean="0"/>
+              <a:t>WordCount</a:t>
+            </a:r>
+            <a:endParaRPr lang="de-CH" b="1" dirty="0"/>
           </a:p>
           <a:p>
             <a:pPr algn="ctr"/>
@@ -9788,7 +9740,124 @@
               <a:rPr lang="de-CH" b="1" dirty="0" err="1" smtClean="0"/>
               <a:t>Reducer</a:t>
             </a:r>
-            <a:endParaRPr lang="de-CH" b="1" dirty="0"/>
+            <a:endParaRPr lang="de-CH" b="1" dirty="0" smtClean="0"/>
+          </a:p>
+          <a:p>
+            <a:endParaRPr lang="de-CH" sz="1100" dirty="0" smtClean="0">
+              <a:latin typeface="Consolas" panose="020B0609020204030204" pitchFamily="49" charset="0"/>
+            </a:endParaRPr>
+          </a:p>
+          <a:p>
+            <a:r>
+              <a:rPr lang="de-CH" sz="1100" dirty="0" err="1" smtClean="0">
+                <a:latin typeface="Consolas" panose="020B0609020204030204" pitchFamily="49" charset="0"/>
+              </a:rPr>
+              <a:t>foreach</a:t>
+            </a:r>
+            <a:r>
+              <a:rPr lang="de-CH" sz="1100" dirty="0" smtClean="0">
+                <a:latin typeface="Consolas" panose="020B0609020204030204" pitchFamily="49" charset="0"/>
+              </a:rPr>
+              <a:t>(</a:t>
+            </a:r>
+            <a:r>
+              <a:rPr lang="de-CH" sz="1100" dirty="0" err="1" smtClean="0">
+                <a:latin typeface="Consolas" panose="020B0609020204030204" pitchFamily="49" charset="0"/>
+              </a:rPr>
+              <a:t>word</a:t>
+            </a:r>
+            <a:r>
+              <a:rPr lang="de-CH" sz="1100" dirty="0" smtClean="0">
+                <a:latin typeface="Consolas" panose="020B0609020204030204" pitchFamily="49" charset="0"/>
+              </a:rPr>
+              <a:t>){</a:t>
+            </a:r>
+          </a:p>
+          <a:p>
+            <a:r>
+              <a:rPr lang="de-CH" sz="1100" dirty="0" smtClean="0">
+                <a:latin typeface="Consolas" panose="020B0609020204030204" pitchFamily="49" charset="0"/>
+              </a:rPr>
+              <a:t>    </a:t>
+            </a:r>
+            <a:r>
+              <a:rPr lang="de-CH" sz="1100" dirty="0" err="1" smtClean="0">
+                <a:latin typeface="Consolas" panose="020B0609020204030204" pitchFamily="49" charset="0"/>
+              </a:rPr>
+              <a:t>emit</a:t>
+            </a:r>
+            <a:r>
+              <a:rPr lang="de-CH" sz="1100" dirty="0" smtClean="0">
+                <a:latin typeface="Consolas" panose="020B0609020204030204" pitchFamily="49" charset="0"/>
+              </a:rPr>
+              <a:t>(</a:t>
+            </a:r>
+            <a:r>
+              <a:rPr lang="de-CH" sz="1100" dirty="0" err="1" smtClean="0">
+                <a:latin typeface="Consolas" panose="020B0609020204030204" pitchFamily="49" charset="0"/>
+              </a:rPr>
+              <a:t>word</a:t>
+            </a:r>
+            <a:r>
+              <a:rPr lang="de-CH" sz="1100" dirty="0" smtClean="0">
+                <a:latin typeface="Consolas" panose="020B0609020204030204" pitchFamily="49" charset="0"/>
+              </a:rPr>
+              <a:t>,</a:t>
+            </a:r>
+          </a:p>
+          <a:p>
+            <a:r>
+              <a:rPr lang="de-CH" sz="1100" dirty="0" smtClean="0">
+                <a:latin typeface="Consolas" panose="020B0609020204030204" pitchFamily="49" charset="0"/>
+              </a:rPr>
+              <a:t>      </a:t>
+            </a:r>
+            <a:r>
+              <a:rPr lang="de-CH" sz="1100" dirty="0" err="1" smtClean="0">
+                <a:latin typeface="Consolas" panose="020B0609020204030204" pitchFamily="49" charset="0"/>
+              </a:rPr>
+              <a:t>sum</a:t>
+            </a:r>
+            <a:r>
+              <a:rPr lang="de-CH" sz="1100" dirty="0" smtClean="0">
+                <a:latin typeface="Consolas" panose="020B0609020204030204" pitchFamily="49" charset="0"/>
+              </a:rPr>
+              <a:t>(</a:t>
+            </a:r>
+            <a:r>
+              <a:rPr lang="de-CH" sz="1100" dirty="0" err="1" smtClean="0">
+                <a:latin typeface="Consolas" panose="020B0609020204030204" pitchFamily="49" charset="0"/>
+              </a:rPr>
+              <a:t>ones</a:t>
+            </a:r>
+            <a:r>
+              <a:rPr lang="de-CH" sz="1100" dirty="0" smtClean="0">
+                <a:latin typeface="Consolas" panose="020B0609020204030204" pitchFamily="49" charset="0"/>
+              </a:rPr>
+              <a:t>)</a:t>
+            </a:r>
+          </a:p>
+          <a:p>
+            <a:r>
+              <a:rPr lang="de-CH" sz="1100" dirty="0">
+                <a:latin typeface="Consolas" panose="020B0609020204030204" pitchFamily="49" charset="0"/>
+              </a:rPr>
+              <a:t> </a:t>
+            </a:r>
+            <a:r>
+              <a:rPr lang="de-CH" sz="1100" dirty="0" smtClean="0">
+                <a:latin typeface="Consolas" panose="020B0609020204030204" pitchFamily="49" charset="0"/>
+              </a:rPr>
+              <a:t>   )</a:t>
+            </a:r>
+          </a:p>
+          <a:p>
+            <a:r>
+              <a:rPr lang="de-CH" sz="1100" dirty="0">
+                <a:latin typeface="Consolas" panose="020B0609020204030204" pitchFamily="49" charset="0"/>
+              </a:rPr>
+              <a:t>}</a:t>
+            </a:r>
           </a:p>
         </p:txBody>
       </p:sp>
@@ -10873,8 +10942,8 @@
         </p:nvSpPr>
         <p:spPr>
           <a:xfrm>
-            <a:off x="872278" y="1373038"/>
-            <a:ext cx="1568763" cy="369332"/>
+            <a:off x="745278" y="1373038"/>
+            <a:ext cx="2126864" cy="369332"/>
           </a:xfrm>
           <a:prstGeom prst="rect">
             <a:avLst/>
@@ -10888,7 +10957,7 @@
           <a:lstStyle/>
           <a:p>
             <a:r>
-              <a:rPr lang="de-CH" b="1" dirty="0" smtClean="0">
+              <a:rPr lang="de-CH" b="1" dirty="0" err="1" smtClean="0">
                 <a:solidFill>
                   <a:schemeClr val="bg1">
                     <a:lumMod val="65000"/>
@@ -10896,7 +10965,18 @@
                 </a:solidFill>
                 <a:latin typeface="Corbel" panose="020B0503020204020204" pitchFamily="34" charset="0"/>
               </a:rPr>
-              <a:t>Task Domains</a:t>
+              <a:t>from</a:t>
+            </a:r>
+            <a:r>
+              <a:rPr lang="de-CH" b="1" dirty="0" smtClean="0">
+                <a:solidFill>
+                  <a:schemeClr val="bg1">
+                    <a:lumMod val="65000"/>
+                  </a:schemeClr>
+                </a:solidFill>
+                <a:latin typeface="Corbel" panose="020B0503020204020204" pitchFamily="34" charset="0"/>
+              </a:rPr>
+              <a:t> Task Domains</a:t>
             </a:r>
             <a:endParaRPr lang="de-CH" b="1" dirty="0">
               <a:solidFill>
@@ -10917,8 +10997,8 @@
         </p:nvSpPr>
         <p:spPr>
           <a:xfrm>
-            <a:off x="5017156" y="1384365"/>
-            <a:ext cx="2039341" cy="369332"/>
+            <a:off x="4890156" y="1384365"/>
+            <a:ext cx="2332433" cy="369332"/>
           </a:xfrm>
           <a:prstGeom prst="rect">
             <a:avLst/>
@@ -10931,6 +11011,28 @@
           </a:bodyPr>
           <a:lstStyle/>
           <a:p>
+            <a:r>
+              <a:rPr lang="de-CH" b="1" dirty="0" err="1" smtClean="0">
+                <a:solidFill>
+                  <a:schemeClr val="bg1">
+                    <a:lumMod val="65000"/>
+                  </a:schemeClr>
+                </a:solidFill>
+                <a:latin typeface="Corbel" panose="020B0503020204020204" pitchFamily="34" charset="0"/>
+              </a:rPr>
+              <a:t>to</a:t>
+            </a:r>
+            <a:r>
+              <a:rPr lang="de-CH" b="1" dirty="0" smtClean="0">
+                <a:solidFill>
+                  <a:schemeClr val="bg1">
+                    <a:lumMod val="65000"/>
+                  </a:schemeClr>
+                </a:solidFill>
+                <a:latin typeface="Corbel" panose="020B0503020204020204" pitchFamily="34" charset="0"/>
+              </a:rPr>
+              <a:t> </a:t>
+            </a:r>
             <a:r>
               <a:rPr lang="de-CH" b="1" dirty="0" err="1" smtClean="0">
                 <a:solidFill>
@@ -14500,13 +14602,31 @@
               <a:t> </a:t>
             </a:r>
             <a:r>
+              <a:rPr lang="de-CH" b="1" dirty="0" err="1" smtClean="0">
+                <a:solidFill>
+                  <a:schemeClr val="bg1"/>
+                </a:solidFill>
+                <a:latin typeface="Corbel" panose="020B0503020204020204" pitchFamily="34" charset="0"/>
+              </a:rPr>
+              <a:t>scheduling</a:t>
+            </a:r>
+            <a:r>
+              <a:rPr lang="de-CH" dirty="0" smtClean="0">
+                <a:solidFill>
+                  <a:schemeClr val="bg1"/>
+                </a:solidFill>
+                <a:latin typeface="Corbel" panose="020B0503020204020204" pitchFamily="34" charset="0"/>
+              </a:rPr>
+              <a:t> </a:t>
+            </a:r>
+            <a:r>
               <a:rPr lang="de-CH" dirty="0" err="1" smtClean="0">
                 <a:solidFill>
                   <a:schemeClr val="bg1"/>
                 </a:solidFill>
                 <a:latin typeface="Corbel" panose="020B0503020204020204" pitchFamily="34" charset="0"/>
               </a:rPr>
-              <a:t>scheduling</a:t>
+              <a:t>and</a:t>
             </a:r>
             <a:r>
               <a:rPr lang="de-CH" dirty="0" smtClean="0">
@@ -14518,12 +14638,93 @@
               <a:t> </a:t>
             </a:r>
             <a:r>
+              <a:rPr lang="de-CH" b="1" dirty="0" err="1" smtClean="0">
+                <a:solidFill>
+                  <a:schemeClr val="bg1"/>
+                </a:solidFill>
+                <a:latin typeface="Corbel" panose="020B0503020204020204" pitchFamily="34" charset="0"/>
+              </a:rPr>
+              <a:t>multithreading</a:t>
+            </a:r>
+            <a:endParaRPr lang="de-CH" b="1" dirty="0" smtClean="0">
+              <a:solidFill>
+                <a:schemeClr val="bg1"/>
+              </a:solidFill>
+              <a:latin typeface="Corbel" panose="020B0503020204020204" pitchFamily="34" charset="0"/>
+            </a:endParaRPr>
+          </a:p>
+          <a:p>
+            <a:pPr lvl="1"/>
+            <a:r>
+              <a:rPr lang="de-CH" b="1" dirty="0" smtClean="0">
+                <a:solidFill>
+                  <a:schemeClr val="bg1"/>
+                </a:solidFill>
+                <a:latin typeface="Corbel" panose="020B0503020204020204" pitchFamily="34" charset="0"/>
+              </a:rPr>
+              <a:t>Data </a:t>
+            </a:r>
+            <a:r>
+              <a:rPr lang="de-CH" b="1" dirty="0" err="1" smtClean="0">
+                <a:solidFill>
+                  <a:schemeClr val="bg1"/>
+                </a:solidFill>
+                <a:latin typeface="Corbel" panose="020B0503020204020204" pitchFamily="34" charset="0"/>
+              </a:rPr>
+              <a:t>cleanup</a:t>
+            </a:r>
+            <a:r>
+              <a:rPr lang="de-CH" b="1" dirty="0" smtClean="0">
+                <a:solidFill>
+                  <a:schemeClr val="bg1"/>
+                </a:solidFill>
+                <a:latin typeface="Corbel" panose="020B0503020204020204" pitchFamily="34" charset="0"/>
+              </a:rPr>
+              <a:t> </a:t>
+            </a:r>
+            <a:r>
               <a:rPr lang="de-CH" dirty="0" err="1" smtClean="0">
                 <a:solidFill>
                   <a:schemeClr val="bg1"/>
                 </a:solidFill>
                 <a:latin typeface="Corbel" panose="020B0503020204020204" pitchFamily="34" charset="0"/>
               </a:rPr>
+              <a:t>for</a:t>
+            </a:r>
+            <a:r>
+              <a:rPr lang="de-CH" dirty="0" smtClean="0">
+                <a:solidFill>
+                  <a:schemeClr val="bg1"/>
+                </a:solidFill>
+                <a:latin typeface="Corbel" panose="020B0503020204020204" pitchFamily="34" charset="0"/>
+              </a:rPr>
+              <a:t> </a:t>
+            </a:r>
+            <a:r>
+              <a:rPr lang="de-CH" dirty="0" err="1" smtClean="0">
+                <a:solidFill>
+                  <a:schemeClr val="bg1"/>
+                </a:solidFill>
+                <a:latin typeface="Corbel" panose="020B0503020204020204" pitchFamily="34" charset="0"/>
+              </a:rPr>
+              <a:t>discarded</a:t>
+            </a:r>
+            <a:r>
+              <a:rPr lang="de-CH" dirty="0" smtClean="0">
+                <a:solidFill>
+                  <a:schemeClr val="bg1"/>
+                </a:solidFill>
+                <a:latin typeface="Corbel" panose="020B0503020204020204" pitchFamily="34" charset="0"/>
+              </a:rPr>
+              <a:t> </a:t>
+            </a:r>
+            <a:r>
+              <a:rPr lang="de-CH" dirty="0" err="1" smtClean="0">
+                <a:solidFill>
+                  <a:schemeClr val="bg1"/>
+                </a:solidFill>
+                <a:latin typeface="Corbel" panose="020B0503020204020204" pitchFamily="34" charset="0"/>
+              </a:rPr>
               <a:t>and</a:t>
             </a:r>
             <a:r>
@@ -14533,6 +14734,96 @@
                 </a:solidFill>
                 <a:latin typeface="Corbel" panose="020B0503020204020204" pitchFamily="34" charset="0"/>
               </a:rPr>
+              <a:t> intermediate </a:t>
+            </a:r>
+            <a:r>
+              <a:rPr lang="de-CH" dirty="0" err="1" smtClean="0">
+                <a:solidFill>
+                  <a:schemeClr val="bg1"/>
+                </a:solidFill>
+                <a:latin typeface="Corbel" panose="020B0503020204020204" pitchFamily="34" charset="0"/>
+              </a:rPr>
+              <a:t>data</a:t>
+            </a:r>
+            <a:endParaRPr lang="de-CH" dirty="0">
+              <a:solidFill>
+                <a:schemeClr val="bg1"/>
+              </a:solidFill>
+              <a:latin typeface="Corbel" panose="020B0503020204020204" pitchFamily="34" charset="0"/>
+            </a:endParaRPr>
+          </a:p>
+          <a:p>
+            <a:pPr lvl="1"/>
+            <a:r>
+              <a:rPr lang="de-CH" dirty="0" err="1" smtClean="0">
+                <a:solidFill>
+                  <a:schemeClr val="bg1"/>
+                </a:solidFill>
+                <a:latin typeface="Corbel" panose="020B0503020204020204" pitchFamily="34" charset="0"/>
+              </a:rPr>
+              <a:t>Possible</a:t>
+            </a:r>
+            <a:r>
+              <a:rPr lang="de-CH" dirty="0" smtClean="0">
+                <a:solidFill>
+                  <a:schemeClr val="bg1"/>
+                </a:solidFill>
+                <a:latin typeface="Corbel" panose="020B0503020204020204" pitchFamily="34" charset="0"/>
+              </a:rPr>
+              <a:t> (</a:t>
+            </a:r>
+            <a:r>
+              <a:rPr lang="de-CH" dirty="0" err="1" smtClean="0">
+                <a:solidFill>
+                  <a:schemeClr val="bg1"/>
+                </a:solidFill>
+                <a:latin typeface="Corbel" panose="020B0503020204020204" pitchFamily="34" charset="0"/>
+              </a:rPr>
+              <a:t>unknown</a:t>
+            </a:r>
+            <a:r>
+              <a:rPr lang="de-CH" dirty="0" smtClean="0">
+                <a:solidFill>
+                  <a:schemeClr val="bg1"/>
+                </a:solidFill>
+                <a:latin typeface="Corbel" panose="020B0503020204020204" pitchFamily="34" charset="0"/>
+              </a:rPr>
+              <a:t>) </a:t>
+            </a:r>
+            <a:r>
+              <a:rPr lang="de-CH" b="1" dirty="0" err="1" smtClean="0">
+                <a:solidFill>
+                  <a:schemeClr val="bg1"/>
+                </a:solidFill>
+                <a:latin typeface="Corbel" panose="020B0503020204020204" pitchFamily="34" charset="0"/>
+              </a:rPr>
+              <a:t>adaptions</a:t>
+            </a:r>
+            <a:r>
+              <a:rPr lang="de-CH" dirty="0" smtClean="0">
+                <a:solidFill>
+                  <a:schemeClr val="bg1"/>
+                </a:solidFill>
+                <a:latin typeface="Corbel" panose="020B0503020204020204" pitchFamily="34" charset="0"/>
+              </a:rPr>
+              <a:t> will </a:t>
+            </a:r>
+            <a:r>
+              <a:rPr lang="de-CH" dirty="0" err="1" smtClean="0">
+                <a:solidFill>
+                  <a:schemeClr val="bg1"/>
+                </a:solidFill>
+                <a:latin typeface="Corbel" panose="020B0503020204020204" pitchFamily="34" charset="0"/>
+              </a:rPr>
+              <a:t>become</a:t>
+            </a:r>
+            <a:r>
+              <a:rPr lang="de-CH" dirty="0" smtClean="0">
+                <a:solidFill>
+                  <a:schemeClr val="bg1"/>
+                </a:solidFill>
+                <a:latin typeface="Corbel" panose="020B0503020204020204" pitchFamily="34" charset="0"/>
+              </a:rPr>
               <a:t> </a:t>
             </a:r>
             <a:r>
@@ -14542,7 +14833,43 @@
                 </a:solidFill>
                 <a:latin typeface="Corbel" panose="020B0503020204020204" pitchFamily="34" charset="0"/>
               </a:rPr>
-              <a:t>multithreading</a:t>
+              <a:t>necessary</a:t>
+            </a:r>
+            <a:r>
+              <a:rPr lang="de-CH" dirty="0" smtClean="0">
+                <a:solidFill>
+                  <a:schemeClr val="bg1"/>
+                </a:solidFill>
+                <a:latin typeface="Corbel" panose="020B0503020204020204" pitchFamily="34" charset="0"/>
+              </a:rPr>
+              <a:t> </a:t>
+            </a:r>
+            <a:r>
+              <a:rPr lang="de-CH" dirty="0" err="1" smtClean="0">
+                <a:solidFill>
+                  <a:schemeClr val="bg1"/>
+                </a:solidFill>
+                <a:latin typeface="Corbel" panose="020B0503020204020204" pitchFamily="34" charset="0"/>
+              </a:rPr>
+              <a:t>during</a:t>
+            </a:r>
+            <a:r>
+              <a:rPr lang="de-CH" dirty="0" smtClean="0">
+                <a:solidFill>
+                  <a:schemeClr val="bg1"/>
+                </a:solidFill>
+                <a:latin typeface="Corbel" panose="020B0503020204020204" pitchFamily="34" charset="0"/>
+              </a:rPr>
+              <a:t> </a:t>
+            </a:r>
+            <a:r>
+              <a:rPr lang="de-CH" dirty="0" err="1" smtClean="0">
+                <a:solidFill>
+                  <a:schemeClr val="bg1"/>
+                </a:solidFill>
+                <a:latin typeface="Corbel" panose="020B0503020204020204" pitchFamily="34" charset="0"/>
+              </a:rPr>
+              <a:t>evaluation</a:t>
             </a:r>
             <a:endParaRPr lang="de-CH" dirty="0" smtClean="0">
               <a:solidFill>
@@ -14554,13 +14881,22 @@
           <a:p>
             <a:pPr lvl="1"/>
             <a:r>
+              <a:rPr lang="de-CH" dirty="0" err="1" smtClean="0">
+                <a:solidFill>
+                  <a:schemeClr val="bg1"/>
+                </a:solidFill>
+                <a:latin typeface="Corbel" panose="020B0503020204020204" pitchFamily="34" charset="0"/>
+              </a:rPr>
+              <a:t>Getting</a:t>
+            </a:r>
+            <a:r>
               <a:rPr lang="de-CH" dirty="0" smtClean="0">
                 <a:solidFill>
                   <a:schemeClr val="bg1"/>
                 </a:solidFill>
                 <a:latin typeface="Corbel" panose="020B0503020204020204" pitchFamily="34" charset="0"/>
               </a:rPr>
-              <a:t>Data </a:t>
+              <a:t> </a:t>
             </a:r>
             <a:r>
               <a:rPr lang="de-CH" dirty="0" err="1" smtClean="0">
@@ -14569,7 +14905,7 @@
                 </a:solidFill>
                 <a:latin typeface="Corbel" panose="020B0503020204020204" pitchFamily="34" charset="0"/>
               </a:rPr>
-              <a:t>cleanup</a:t>
+              <a:t>rid</a:t>
             </a:r>
             <a:r>
               <a:rPr lang="de-CH" dirty="0" smtClean="0">
@@ -14587,7 +14923,7 @@
                 </a:solidFill>
                 <a:latin typeface="Corbel" panose="020B0503020204020204" pitchFamily="34" charset="0"/>
               </a:rPr>
-              <a:t>for</a:t>
+              <a:t>of</a:t>
             </a:r>
             <a:r>
               <a:rPr lang="de-CH" dirty="0" smtClean="0">
@@ -14599,13 +14935,67 @@
               <a:t> </a:t>
             </a:r>
             <a:r>
+              <a:rPr lang="de-CH" b="1" dirty="0" err="1" smtClean="0">
+                <a:solidFill>
+                  <a:schemeClr val="bg1"/>
+                </a:solidFill>
+                <a:latin typeface="Corbel" panose="020B0503020204020204" pitchFamily="34" charset="0"/>
+              </a:rPr>
+              <a:t>data</a:t>
+            </a:r>
+            <a:r>
+              <a:rPr lang="de-CH" b="1" dirty="0" smtClean="0">
+                <a:solidFill>
+                  <a:schemeClr val="bg1"/>
+                </a:solidFill>
+                <a:latin typeface="Corbel" panose="020B0503020204020204" pitchFamily="34" charset="0"/>
+              </a:rPr>
+              <a:t> </a:t>
+            </a:r>
+            <a:r>
+              <a:rPr lang="de-CH" b="1" dirty="0" err="1" smtClean="0">
+                <a:solidFill>
+                  <a:schemeClr val="bg1"/>
+                </a:solidFill>
+                <a:latin typeface="Corbel" panose="020B0503020204020204" pitchFamily="34" charset="0"/>
+              </a:rPr>
+              <a:t>transfer</a:t>
+            </a:r>
+            <a:r>
+              <a:rPr lang="de-CH" dirty="0" smtClean="0">
+                <a:solidFill>
+                  <a:schemeClr val="bg1"/>
+                </a:solidFill>
+                <a:latin typeface="Corbel" panose="020B0503020204020204" pitchFamily="34" charset="0"/>
+              </a:rPr>
+              <a:t>? (additional DHT </a:t>
+            </a:r>
+            <a:r>
               <a:rPr lang="de-CH" dirty="0" err="1" smtClean="0">
                 <a:solidFill>
                   <a:schemeClr val="bg1"/>
                 </a:solidFill>
                 <a:latin typeface="Corbel" panose="020B0503020204020204" pitchFamily="34" charset="0"/>
               </a:rPr>
-              <a:t>discarded</a:t>
+              <a:t>call</a:t>
+            </a:r>
+            <a:r>
+              <a:rPr lang="de-CH" dirty="0">
+                <a:solidFill>
+                  <a:schemeClr val="bg1"/>
+                </a:solidFill>
+                <a:latin typeface="Corbel" panose="020B0503020204020204" pitchFamily="34" charset="0"/>
+              </a:rPr>
+              <a:t> </a:t>
+            </a:r>
+            <a:r>
+              <a:rPr lang="de-CH" dirty="0" err="1" smtClean="0">
+                <a:solidFill>
+                  <a:schemeClr val="bg1"/>
+                </a:solidFill>
+                <a:latin typeface="Corbel" panose="020B0503020204020204" pitchFamily="34" charset="0"/>
+              </a:rPr>
+              <a:t>and</a:t>
             </a:r>
             <a:r>
               <a:rPr lang="de-CH" dirty="0" smtClean="0">
@@ -14623,7 +15013,7 @@
                 </a:solidFill>
                 <a:latin typeface="Corbel" panose="020B0503020204020204" pitchFamily="34" charset="0"/>
               </a:rPr>
-              <a:t>and</a:t>
+              <a:t>iteration</a:t>
             </a:r>
             <a:r>
               <a:rPr lang="de-CH" dirty="0" smtClean="0">
@@ -14632,16 +15022,7 @@
                 </a:solidFill>
                 <a:latin typeface="Corbel" panose="020B0503020204020204" pitchFamily="34" charset="0"/>
               </a:rPr>
-              <a:t> intermediate </a:t>
-            </a:r>
-            <a:r>
-              <a:rPr lang="de-CH" dirty="0" err="1" smtClean="0">
-                <a:solidFill>
-                  <a:schemeClr val="bg1"/>
-                </a:solidFill>
-                <a:latin typeface="Corbel" panose="020B0503020204020204" pitchFamily="34" charset="0"/>
-              </a:rPr>
-              <a:t>data</a:t>
+              <a:t>)</a:t>
             </a:r>
             <a:endParaRPr lang="de-CH" dirty="0">
               <a:solidFill>
@@ -14651,6 +15032,17 @@
             </a:endParaRPr>
           </a:p>
           <a:p>
+            <a:r>
+              <a:rPr lang="de-CH" b="1" dirty="0" smtClean="0">
+                <a:solidFill>
+                  <a:schemeClr val="bg1"/>
+                </a:solidFill>
+                <a:latin typeface="Corbel" panose="020B0503020204020204" pitchFamily="34" charset="0"/>
+              </a:rPr>
+              <a:t>Evaluation</a:t>
+            </a:r>
+          </a:p>
+          <a:p>
             <a:pPr lvl="1"/>
             <a:r>
               <a:rPr lang="de-CH" dirty="0" err="1" smtClean="0">
@@ -14659,7 +15051,7 @@
                 </a:solidFill>
                 <a:latin typeface="Corbel" panose="020B0503020204020204" pitchFamily="34" charset="0"/>
               </a:rPr>
-              <a:t>Possible</a:t>
+              <a:t>Testing</a:t>
             </a:r>
             <a:r>
               <a:rPr lang="de-CH" dirty="0" smtClean="0">
@@ -14668,7 +15060,7 @@
                 </a:solidFill>
                 <a:latin typeface="Corbel" panose="020B0503020204020204" pitchFamily="34" charset="0"/>
               </a:rPr>
-              <a:t> (</a:t>
+              <a:t> </a:t>
             </a:r>
             <a:r>
               <a:rPr lang="de-CH" dirty="0" err="1" smtClean="0">
@@ -14677,7 +15069,7 @@
                 </a:solidFill>
                 <a:latin typeface="Corbel" panose="020B0503020204020204" pitchFamily="34" charset="0"/>
               </a:rPr>
-              <a:t>unknown</a:t>
+              <a:t>behaviour</a:t>
             </a:r>
             <a:r>
               <a:rPr lang="de-CH" dirty="0" smtClean="0">
@@ -14686,7 +15078,7 @@
                 </a:solidFill>
                 <a:latin typeface="Corbel" panose="020B0503020204020204" pitchFamily="34" charset="0"/>
               </a:rPr>
-              <a:t>) </a:t>
+              <a:t> </a:t>
             </a:r>
             <a:r>
               <a:rPr lang="de-CH" dirty="0" err="1" smtClean="0">
@@ -14695,7 +15087,7 @@
                 </a:solidFill>
                 <a:latin typeface="Corbel" panose="020B0503020204020204" pitchFamily="34" charset="0"/>
               </a:rPr>
-              <a:t>adaptions</a:t>
+              <a:t>with</a:t>
             </a:r>
             <a:r>
               <a:rPr lang="de-CH" dirty="0" smtClean="0">
@@ -14704,156 +15096,19 @@
                 </a:solidFill>
                 <a:latin typeface="Corbel" panose="020B0503020204020204" pitchFamily="34" charset="0"/>
               </a:rPr>
-              <a:t> will </a:t>
-            </a:r>
-            <a:r>
-              <a:rPr lang="de-CH" dirty="0" err="1" smtClean="0">
-                <a:solidFill>
-                  <a:schemeClr val="bg1"/>
-                </a:solidFill>
-                <a:latin typeface="Corbel" panose="020B0503020204020204" pitchFamily="34" charset="0"/>
-              </a:rPr>
-              <a:t>become</a:t>
-            </a:r>
-            <a:r>
-              <a:rPr lang="de-CH" dirty="0" smtClean="0">
-                <a:solidFill>
-                  <a:schemeClr val="bg1"/>
-                </a:solidFill>
-                <a:latin typeface="Corbel" panose="020B0503020204020204" pitchFamily="34" charset="0"/>
-              </a:rPr>
               <a:t> </a:t>
             </a:r>
             <a:r>
-              <a:rPr lang="de-CH" dirty="0" err="1" smtClean="0">
-                <a:solidFill>
-                  <a:schemeClr val="bg1"/>
-                </a:solidFill>
-                <a:latin typeface="Corbel" panose="020B0503020204020204" pitchFamily="34" charset="0"/>
-              </a:rPr>
-              <a:t>necessary</a:t>
-            </a:r>
-            <a:r>
-              <a:rPr lang="de-CH" dirty="0" smtClean="0">
-                <a:solidFill>
-                  <a:schemeClr val="bg1"/>
-                </a:solidFill>
-                <a:latin typeface="Corbel" panose="020B0503020204020204" pitchFamily="34" charset="0"/>
-              </a:rPr>
-              <a:t> </a:t>
-            </a:r>
-            <a:r>
-              <a:rPr lang="de-CH" dirty="0" err="1" smtClean="0">
-                <a:solidFill>
-                  <a:schemeClr val="bg1"/>
-                </a:solidFill>
-                <a:latin typeface="Corbel" panose="020B0503020204020204" pitchFamily="34" charset="0"/>
-              </a:rPr>
-              <a:t>during</a:t>
-            </a:r>
-            <a:r>
-              <a:rPr lang="de-CH" dirty="0" smtClean="0">
-                <a:solidFill>
-                  <a:schemeClr val="bg1"/>
-                </a:solidFill>
-                <a:latin typeface="Corbel" panose="020B0503020204020204" pitchFamily="34" charset="0"/>
-              </a:rPr>
-              <a:t> </a:t>
-            </a:r>
-            <a:r>
-              <a:rPr lang="de-CH" dirty="0" err="1" smtClean="0">
-                <a:solidFill>
-                  <a:schemeClr val="bg1"/>
-                </a:solidFill>
-                <a:latin typeface="Corbel" panose="020B0503020204020204" pitchFamily="34" charset="0"/>
-              </a:rPr>
-              <a:t>evaluation</a:t>
-            </a:r>
-            <a:endParaRPr lang="de-CH" dirty="0">
-              <a:solidFill>
-                <a:schemeClr val="bg1"/>
-              </a:solidFill>
-              <a:latin typeface="Corbel" panose="020B0503020204020204" pitchFamily="34" charset="0"/>
-            </a:endParaRPr>
-          </a:p>
-          <a:p>
-            <a:pPr lvl="1"/>
-            <a:endParaRPr lang="de-CH" dirty="0">
-              <a:solidFill>
-                <a:schemeClr val="bg1"/>
-              </a:solidFill>
-              <a:latin typeface="Corbel" panose="020B0503020204020204" pitchFamily="34" charset="0"/>
-            </a:endParaRPr>
-          </a:p>
-          <a:p>
-            <a:r>
               <a:rPr lang="de-CH" b="1" dirty="0" smtClean="0">
                 <a:solidFill>
                   <a:schemeClr val="bg1"/>
                 </a:solidFill>
                 <a:latin typeface="Corbel" panose="020B0503020204020204" pitchFamily="34" charset="0"/>
               </a:rPr>
-              <a:t>Evaluation</a:t>
-            </a:r>
-          </a:p>
-          <a:p>
-            <a:pPr lvl="1"/>
-            <a:r>
-              <a:rPr lang="de-CH" dirty="0" err="1" smtClean="0">
-                <a:solidFill>
-                  <a:schemeClr val="bg1"/>
-                </a:solidFill>
-                <a:latin typeface="Corbel" panose="020B0503020204020204" pitchFamily="34" charset="0"/>
-              </a:rPr>
-              <a:t>Testing</a:t>
-            </a:r>
-            <a:r>
-              <a:rPr lang="de-CH" dirty="0" smtClean="0">
-                <a:solidFill>
-                  <a:schemeClr val="bg1"/>
-                </a:solidFill>
-                <a:latin typeface="Corbel" panose="020B0503020204020204" pitchFamily="34" charset="0"/>
-              </a:rPr>
-              <a:t> </a:t>
-            </a:r>
-            <a:r>
-              <a:rPr lang="de-CH" dirty="0" err="1" smtClean="0">
-                <a:solidFill>
-                  <a:schemeClr val="bg1"/>
-                </a:solidFill>
-                <a:latin typeface="Corbel" panose="020B0503020204020204" pitchFamily="34" charset="0"/>
-              </a:rPr>
-              <a:t>behaviour</a:t>
-            </a:r>
-            <a:r>
-              <a:rPr lang="de-CH" dirty="0" smtClean="0">
-                <a:solidFill>
-                  <a:schemeClr val="bg1"/>
-                </a:solidFill>
-                <a:latin typeface="Corbel" panose="020B0503020204020204" pitchFamily="34" charset="0"/>
-              </a:rPr>
-              <a:t> </a:t>
-            </a:r>
-            <a:r>
-              <a:rPr lang="de-CH" dirty="0" err="1" smtClean="0">
-                <a:solidFill>
-                  <a:schemeClr val="bg1"/>
-                </a:solidFill>
-                <a:latin typeface="Corbel" panose="020B0503020204020204" pitchFamily="34" charset="0"/>
-              </a:rPr>
-              <a:t>with</a:t>
-            </a:r>
-            <a:r>
-              <a:rPr lang="de-CH" dirty="0" smtClean="0">
-                <a:solidFill>
-                  <a:schemeClr val="bg1"/>
-                </a:solidFill>
-                <a:latin typeface="Corbel" panose="020B0503020204020204" pitchFamily="34" charset="0"/>
-              </a:rPr>
-              <a:t> multiple </a:t>
-            </a:r>
-            <a:r>
-              <a:rPr lang="de-CH" dirty="0" err="1" smtClean="0">
+              <a:t>multiple </a:t>
+            </a:r>
+            <a:r>
+              <a:rPr lang="de-CH" b="1" dirty="0" err="1" smtClean="0">
                 <a:solidFill>
                   <a:schemeClr val="bg1"/>
                 </a:solidFill>
@@ -14862,16 +15117,16 @@
               <a:t>jobs</a:t>
             </a:r>
             <a:r>
-              <a:rPr lang="de-CH" dirty="0" smtClean="0">
-                <a:solidFill>
-                  <a:schemeClr val="bg1"/>
-                </a:solidFill>
-                <a:latin typeface="Corbel" panose="020B0503020204020204" pitchFamily="34" charset="0"/>
-              </a:rPr>
-              <a:t>, </a:t>
-            </a:r>
-            <a:r>
-              <a:rPr lang="de-CH" dirty="0" err="1" smtClean="0">
+              <a:rPr lang="de-CH" b="1" dirty="0" smtClean="0">
+                <a:solidFill>
+                  <a:schemeClr val="bg1"/>
+                </a:solidFill>
+                <a:latin typeface="Corbel" panose="020B0503020204020204" pitchFamily="34" charset="0"/>
+              </a:rPr>
+              <a:t>, multiple </a:t>
+            </a:r>
+            <a:r>
+              <a:rPr lang="de-CH" b="1" dirty="0" err="1" smtClean="0">
                 <a:solidFill>
                   <a:schemeClr val="bg1"/>
                 </a:solidFill>
@@ -14880,34 +15135,16 @@
               <a:t>task</a:t>
             </a:r>
             <a:r>
-              <a:rPr lang="de-CH" dirty="0" smtClean="0">
-                <a:solidFill>
-                  <a:schemeClr val="bg1"/>
-                </a:solidFill>
-                <a:latin typeface="Corbel" panose="020B0503020204020204" pitchFamily="34" charset="0"/>
-              </a:rPr>
-              <a:t> </a:t>
-            </a:r>
-            <a:r>
-              <a:rPr lang="de-CH" dirty="0" err="1" smtClean="0">
-                <a:solidFill>
-                  <a:schemeClr val="bg1"/>
-                </a:solidFill>
-                <a:latin typeface="Corbel" panose="020B0503020204020204" pitchFamily="34" charset="0"/>
-              </a:rPr>
-              <a:t>executions</a:t>
-            </a:r>
-            <a:r>
-              <a:rPr lang="de-CH" dirty="0" smtClean="0">
-                <a:solidFill>
-                  <a:schemeClr val="bg1"/>
-                </a:solidFill>
-                <a:latin typeface="Corbel" panose="020B0503020204020204" pitchFamily="34" charset="0"/>
-              </a:rPr>
-              <a:t>, </a:t>
-            </a:r>
-            <a:r>
-              <a:rPr lang="de-CH" dirty="0" err="1" smtClean="0">
+              <a:rPr lang="de-CH" b="1" dirty="0" smtClean="0">
+                <a:solidFill>
+                  <a:schemeClr val="bg1"/>
+                </a:solidFill>
+                <a:latin typeface="Corbel" panose="020B0503020204020204" pitchFamily="34" charset="0"/>
+              </a:rPr>
+              <a:t> &amp; </a:t>
+            </a:r>
+            <a:r>
+              <a:rPr lang="de-CH" b="1" dirty="0" err="1" smtClean="0">
                 <a:solidFill>
                   <a:schemeClr val="bg1"/>
                 </a:solidFill>
@@ -14916,7 +15153,7 @@
               <a:t>procedure</a:t>
             </a:r>
             <a:r>
-              <a:rPr lang="de-CH" dirty="0" smtClean="0">
+              <a:rPr lang="de-CH" b="1" dirty="0" smtClean="0">
                 <a:solidFill>
                   <a:schemeClr val="bg1"/>
                 </a:solidFill>
@@ -14961,13 +15198,31 @@
               <a:t> </a:t>
             </a:r>
             <a:r>
+              <a:rPr lang="de-CH" b="1" dirty="0" err="1" smtClean="0">
+                <a:solidFill>
+                  <a:schemeClr val="bg1"/>
+                </a:solidFill>
+                <a:latin typeface="Corbel" panose="020B0503020204020204" pitchFamily="34" charset="0"/>
+              </a:rPr>
+              <a:t>interaction</a:t>
+            </a:r>
+            <a:r>
+              <a:rPr lang="de-CH" dirty="0" smtClean="0">
+                <a:solidFill>
+                  <a:schemeClr val="bg1"/>
+                </a:solidFill>
+                <a:latin typeface="Corbel" panose="020B0503020204020204" pitchFamily="34" charset="0"/>
+              </a:rPr>
+              <a:t> </a:t>
+            </a:r>
+            <a:r>
               <a:rPr lang="de-CH" dirty="0" err="1" smtClean="0">
                 <a:solidFill>
                   <a:schemeClr val="bg1"/>
                 </a:solidFill>
                 <a:latin typeface="Corbel" panose="020B0503020204020204" pitchFamily="34" charset="0"/>
               </a:rPr>
-              <a:t>interaction</a:t>
+              <a:t>with</a:t>
             </a:r>
             <a:r>
               <a:rPr lang="de-CH" dirty="0" smtClean="0">
@@ -14979,25 +15234,16 @@
               <a:t> </a:t>
             </a:r>
             <a:r>
-              <a:rPr lang="de-CH" dirty="0" err="1" smtClean="0">
-                <a:solidFill>
-                  <a:schemeClr val="bg1"/>
-                </a:solidFill>
-                <a:latin typeface="Corbel" panose="020B0503020204020204" pitchFamily="34" charset="0"/>
-              </a:rPr>
-              <a:t>with</a:t>
-            </a:r>
-            <a:r>
-              <a:rPr lang="de-CH" dirty="0" smtClean="0">
-                <a:solidFill>
-                  <a:schemeClr val="bg1"/>
-                </a:solidFill>
-                <a:latin typeface="Corbel" panose="020B0503020204020204" pitchFamily="34" charset="0"/>
-              </a:rPr>
-              <a:t> multiple </a:t>
-            </a:r>
-            <a:r>
-              <a:rPr lang="de-CH" dirty="0" err="1" smtClean="0">
+              <a:rPr lang="de-CH" b="1" dirty="0" smtClean="0">
+                <a:solidFill>
+                  <a:schemeClr val="bg1"/>
+                </a:solidFill>
+                <a:latin typeface="Corbel" panose="020B0503020204020204" pitchFamily="34" charset="0"/>
+              </a:rPr>
+              <a:t>multiple </a:t>
+            </a:r>
+            <a:r>
+              <a:rPr lang="de-CH" b="1" dirty="0" err="1" smtClean="0">
                 <a:solidFill>
                   <a:schemeClr val="bg1"/>
                 </a:solidFill>
@@ -15006,7 +15252,7 @@
               <a:t>nodes</a:t>
             </a:r>
             <a:r>
-              <a:rPr lang="de-CH" dirty="0" smtClean="0">
+              <a:rPr lang="de-CH" b="1" dirty="0" smtClean="0">
                 <a:solidFill>
                   <a:schemeClr val="bg1"/>
                 </a:solidFill>
@@ -15015,7 +15261,7 @@
               <a:t>/</a:t>
             </a:r>
             <a:r>
-              <a:rPr lang="de-CH" dirty="0" err="1" smtClean="0">
+              <a:rPr lang="de-CH" b="1" dirty="0" err="1" smtClean="0">
                 <a:solidFill>
                   <a:schemeClr val="bg1"/>
                 </a:solidFill>
@@ -15023,7 +15269,7 @@
               </a:rPr>
               <a:t>computers</a:t>
             </a:r>
-            <a:endParaRPr lang="de-CH" dirty="0" smtClean="0">
+            <a:endParaRPr lang="de-CH" b="1" dirty="0" smtClean="0">
               <a:solidFill>
                 <a:schemeClr val="bg1"/>
               </a:solidFill>
@@ -15168,7 +15414,7 @@
               <a:t> </a:t>
             </a:r>
             <a:r>
-              <a:rPr lang="de-CH" dirty="0" err="1" smtClean="0">
+              <a:rPr lang="de-CH" b="1" dirty="0" err="1" smtClean="0">
                 <a:solidFill>
                   <a:schemeClr val="bg1"/>
                 </a:solidFill>
@@ -15177,7 +15423,7 @@
               <a:t>increasing</a:t>
             </a:r>
             <a:r>
-              <a:rPr lang="de-CH" dirty="0" smtClean="0">
+              <a:rPr lang="de-CH" b="1" dirty="0" smtClean="0">
                 <a:solidFill>
                   <a:schemeClr val="bg1"/>
                 </a:solidFill>
@@ -15186,7 +15432,7 @@
               <a:t> </a:t>
             </a:r>
             <a:r>
-              <a:rPr lang="de-CH" dirty="0" err="1" smtClean="0">
+              <a:rPr lang="de-CH" b="1" dirty="0" err="1" smtClean="0">
                 <a:solidFill>
                   <a:schemeClr val="bg1"/>
                 </a:solidFill>
@@ -15195,7 +15441,7 @@
               <a:t>dataset</a:t>
             </a:r>
             <a:r>
-              <a:rPr lang="de-CH" dirty="0" smtClean="0">
+              <a:rPr lang="de-CH" b="1" dirty="0" smtClean="0">
                 <a:solidFill>
                   <a:schemeClr val="bg1"/>
                 </a:solidFill>
@@ -15204,7 +15450,7 @@
               <a:t> </a:t>
             </a:r>
             <a:r>
-              <a:rPr lang="de-CH" dirty="0" err="1" smtClean="0">
+              <a:rPr lang="de-CH" b="1" dirty="0" err="1" smtClean="0">
                 <a:solidFill>
                   <a:schemeClr val="bg1"/>
                 </a:solidFill>
@@ -15212,7 +15458,7 @@
               </a:rPr>
               <a:t>size</a:t>
             </a:r>
-            <a:endParaRPr lang="de-CH" dirty="0" smtClean="0">
+            <a:endParaRPr lang="de-CH" b="1" dirty="0" smtClean="0">
               <a:solidFill>
                 <a:schemeClr val="bg1"/>
               </a:solidFill>
@@ -15222,7 +15468,7 @@
           <a:p>
             <a:pPr lvl="1"/>
             <a:r>
-              <a:rPr lang="de-CH" dirty="0" err="1" smtClean="0">
+              <a:rPr lang="de-CH" b="1" dirty="0" err="1" smtClean="0">
                 <a:solidFill>
                   <a:schemeClr val="bg1"/>
                 </a:solidFill>
@@ -15434,84 +15680,24 @@
           <a:lstStyle/>
           <a:p>
             <a:r>
+              <a:rPr lang="de-CH" b="1" dirty="0" err="1" smtClean="0">
+                <a:solidFill>
+                  <a:schemeClr val="bg1"/>
+                </a:solidFill>
+                <a:latin typeface="Corbel" panose="020B0503020204020204" pitchFamily="34" charset="0"/>
+              </a:rPr>
+              <a:t>Questions</a:t>
+            </a:r>
+            <a:r>
               <a:rPr lang="de-CH" b="1" dirty="0" smtClean="0">
                 <a:solidFill>
                   <a:schemeClr val="bg1"/>
                 </a:solidFill>
                 <a:latin typeface="Corbel" panose="020B0503020204020204" pitchFamily="34" charset="0"/>
               </a:rPr>
-              <a:t>Demo (?)</a:t>
+              <a:t> &amp; Inputs?</a:t>
             </a:r>
             <a:endParaRPr lang="de-CH" b="1" dirty="0">
-              <a:solidFill>
-                <a:schemeClr val="bg1"/>
-              </a:solidFill>
-              <a:latin typeface="Corbel" panose="020B0503020204020204" pitchFamily="34" charset="0"/>
-            </a:endParaRPr>
-          </a:p>
-        </p:txBody>
-      </p:sp>
-      <p:sp>
-        <p:nvSpPr>
-          <p:cNvPr id="3" name="Inhaltsplatzhalter 2"/>
-          <p:cNvSpPr>
-            <a:spLocks noGrp="1"/>
-          </p:cNvSpPr>
-          <p:nvPr>
-            <p:ph idx="1"/>
-          </p:nvPr>
-        </p:nvSpPr>
-        <p:spPr/>
-        <p:txBody>
-          <a:bodyPr/>
-          <a:lstStyle/>
-          <a:p>
-            <a:r>
-              <a:rPr lang="de-CH" dirty="0" smtClean="0">
-                <a:solidFill>
-                  <a:schemeClr val="bg1"/>
-                </a:solidFill>
-                <a:latin typeface="Corbel" panose="020B0503020204020204" pitchFamily="34" charset="0"/>
-              </a:rPr>
-              <a:t>Not </a:t>
-            </a:r>
-            <a:r>
-              <a:rPr lang="de-CH" dirty="0" err="1" smtClean="0">
-                <a:solidFill>
-                  <a:schemeClr val="bg1"/>
-                </a:solidFill>
-                <a:latin typeface="Corbel" panose="020B0503020204020204" pitchFamily="34" charset="0"/>
-              </a:rPr>
-              <a:t>sure</a:t>
-            </a:r>
-            <a:r>
-              <a:rPr lang="de-CH" dirty="0" smtClean="0">
-                <a:solidFill>
-                  <a:schemeClr val="bg1"/>
-                </a:solidFill>
-                <a:latin typeface="Corbel" panose="020B0503020204020204" pitchFamily="34" charset="0"/>
-              </a:rPr>
-              <a:t> </a:t>
-            </a:r>
-            <a:r>
-              <a:rPr lang="de-CH" dirty="0" err="1" smtClean="0">
-                <a:solidFill>
-                  <a:schemeClr val="bg1"/>
-                </a:solidFill>
-                <a:latin typeface="Corbel" panose="020B0503020204020204" pitchFamily="34" charset="0"/>
-              </a:rPr>
-              <a:t>yet</a:t>
-            </a:r>
-            <a:r>
-              <a:rPr lang="de-CH" dirty="0" smtClean="0">
-                <a:solidFill>
-                  <a:schemeClr val="bg1"/>
-                </a:solidFill>
-                <a:latin typeface="Corbel" panose="020B0503020204020204" pitchFamily="34" charset="0"/>
-              </a:rPr>
-              <a:t>…</a:t>
-            </a:r>
-            <a:endParaRPr lang="de-CH" dirty="0">
               <a:solidFill>
                 <a:schemeClr val="bg1"/>
               </a:solidFill>
@@ -15540,117 +15726,6 @@
                 <a:latin typeface="Corbel" panose="020B0503020204020204" pitchFamily="34" charset="0"/>
               </a:rPr>
               <a:t>15</a:t>
-            </a:fld>
-            <a:endParaRPr lang="de-CH" dirty="0">
-              <a:latin typeface="Corbel" panose="020B0503020204020204" pitchFamily="34" charset="0"/>
-            </a:endParaRPr>
-          </a:p>
-        </p:txBody>
-      </p:sp>
-    </p:spTree>
-    <p:extLst>
-      <p:ext uri="{BB962C8B-B14F-4D97-AF65-F5344CB8AC3E}">
-        <p14:creationId xmlns:p14="http://schemas.microsoft.com/office/powerpoint/2010/main" val="2578128863"/>
-      </p:ext>
-    </p:extLst>
-  </p:cSld>
-  <p:clrMapOvr>
-    <a:masterClrMapping/>
-  </p:clrMapOvr>
-  <p:timing>
-    <p:tnLst>
-      <p:par>
-        <p:cTn id="1" dur="indefinite" restart="never" nodeType="tmRoot"/>
-      </p:par>
-    </p:tnLst>
-  </p:timing>
-</p:sld>
-</file>
-
-<file path=ppt/slides/slide16.xml><?xml version="1.0" encoding="utf-8"?>
-<p:sld xmlns:a="http://schemas.openxmlformats.org/drawingml/2006/main" xmlns:r="http://schemas.openxmlformats.org/officeDocument/2006/relationships" xmlns:p="http://schemas.openxmlformats.org/presentationml/2006/main">
-  <p:cSld>
-    <p:spTree>
-      <p:nvGrpSpPr>
-        <p:cNvPr id="1" name=""/>
-        <p:cNvGrpSpPr/>
-        <p:nvPr/>
-      </p:nvGrpSpPr>
-      <p:grpSpPr>
-        <a:xfrm>
-          <a:off x="0" y="0"/>
-          <a:ext cx="0" cy="0"/>
-          <a:chOff x="0" y="0"/>
-          <a:chExt cx="0" cy="0"/>
-        </a:xfrm>
-      </p:grpSpPr>
-      <p:sp>
-        <p:nvSpPr>
-          <p:cNvPr id="2" name="Titel 1"/>
-          <p:cNvSpPr>
-            <a:spLocks noGrp="1"/>
-          </p:cNvSpPr>
-          <p:nvPr>
-            <p:ph type="title"/>
-          </p:nvPr>
-        </p:nvSpPr>
-        <p:spPr>
-          <a:xfrm>
-            <a:off x="838200" y="403225"/>
-            <a:ext cx="10515600" cy="1325563"/>
-          </a:xfrm>
-        </p:spPr>
-        <p:txBody>
-          <a:bodyPr/>
-          <a:lstStyle/>
-          <a:p>
-            <a:r>
-              <a:rPr lang="de-CH" b="1" dirty="0" err="1" smtClean="0">
-                <a:solidFill>
-                  <a:schemeClr val="bg1"/>
-                </a:solidFill>
-                <a:latin typeface="Corbel" panose="020B0503020204020204" pitchFamily="34" charset="0"/>
-              </a:rPr>
-              <a:t>Questions</a:t>
-            </a:r>
-            <a:r>
-              <a:rPr lang="de-CH" b="1" dirty="0" smtClean="0">
-                <a:solidFill>
-                  <a:schemeClr val="bg1"/>
-                </a:solidFill>
-                <a:latin typeface="Corbel" panose="020B0503020204020204" pitchFamily="34" charset="0"/>
-              </a:rPr>
-              <a:t> &amp; Inputs?</a:t>
-            </a:r>
-            <a:endParaRPr lang="de-CH" b="1" dirty="0">
-              <a:solidFill>
-                <a:schemeClr val="bg1"/>
-              </a:solidFill>
-              <a:latin typeface="Corbel" panose="020B0503020204020204" pitchFamily="34" charset="0"/>
-            </a:endParaRPr>
-          </a:p>
-        </p:txBody>
-      </p:sp>
-      <p:sp>
-        <p:nvSpPr>
-          <p:cNvPr id="5" name="Foliennummernplatzhalter 4"/>
-          <p:cNvSpPr>
-            <a:spLocks noGrp="1"/>
-          </p:cNvSpPr>
-          <p:nvPr>
-            <p:ph type="sldNum" sz="quarter" idx="12"/>
-          </p:nvPr>
-        </p:nvSpPr>
-        <p:spPr/>
-        <p:txBody>
-          <a:bodyPr/>
-          <a:lstStyle/>
-          <a:p>
-            <a:fld id="{E7246B9D-2F92-45DF-8B85-F6CA198E0768}" type="slidenum">
-              <a:rPr lang="de-CH" smtClean="0">
-                <a:latin typeface="Corbel" panose="020B0503020204020204" pitchFamily="34" charset="0"/>
-              </a:rPr>
-              <a:t>16</a:t>
             </a:fld>
             <a:endParaRPr lang="de-CH" dirty="0">
               <a:latin typeface="Corbel" panose="020B0503020204020204" pitchFamily="34" charset="0"/>
@@ -15843,14 +15918,6 @@
               </a:rPr>
               <a:t>work</a:t>
             </a:r>
-            <a:endParaRPr lang="de-CH" dirty="0" smtClean="0">
-              <a:solidFill>
-                <a:schemeClr val="bg1"/>
-              </a:solidFill>
-              <a:latin typeface="Corbel" panose="020B0503020204020204" pitchFamily="34" charset="0"/>
-            </a:endParaRPr>
-          </a:p>
-          <a:p>
             <a:r>
               <a:rPr lang="de-CH" dirty="0" smtClean="0">
                 <a:solidFill>
@@ -15858,14 +15925,8 @@
                 </a:solidFill>
                 <a:latin typeface="Corbel" panose="020B0503020204020204" pitchFamily="34" charset="0"/>
               </a:rPr>
-              <a:t>Demo </a:t>
-            </a:r>
-            <a:endParaRPr lang="de-CH" dirty="0" smtClean="0">
-              <a:solidFill>
-                <a:schemeClr val="bg1"/>
-              </a:solidFill>
-              <a:latin typeface="Corbel" panose="020B0503020204020204" pitchFamily="34" charset="0"/>
-            </a:endParaRPr>
+              <a:t> </a:t>
+            </a:r>
           </a:p>
           <a:p>
             <a:r>
@@ -15884,16 +15945,7 @@
                 </a:solidFill>
                 <a:latin typeface="Corbel" panose="020B0503020204020204" pitchFamily="34" charset="0"/>
               </a:rPr>
-              <a:t> </a:t>
-            </a:r>
-            <a:r>
-              <a:rPr lang="de-CH" dirty="0" smtClean="0">
-                <a:solidFill>
-                  <a:schemeClr val="bg1"/>
-                </a:solidFill>
-                <a:latin typeface="Corbel" panose="020B0503020204020204" pitchFamily="34" charset="0"/>
-              </a:rPr>
-              <a:t>&amp; Inputs?</a:t>
+              <a:t> &amp; Inputs?</a:t>
             </a:r>
             <a:endParaRPr lang="de-CH" dirty="0">
               <a:solidFill>
@@ -16066,7 +16118,7 @@
                 </a:solidFill>
                 <a:latin typeface="Corbel" panose="020B0503020204020204" pitchFamily="34" charset="0"/>
               </a:rPr>
-              <a:t>using</a:t>
+              <a:t>with</a:t>
             </a:r>
             <a:r>
               <a:rPr lang="de-CH" dirty="0" smtClean="0">
@@ -16075,7 +16127,61 @@
                 </a:solidFill>
                 <a:latin typeface="Corbel" panose="020B0503020204020204" pitchFamily="34" charset="0"/>
               </a:rPr>
-              <a:t> different </a:t>
+              <a:t> (</a:t>
+            </a:r>
+            <a:r>
+              <a:rPr lang="de-CH" dirty="0" err="1" smtClean="0">
+                <a:solidFill>
+                  <a:schemeClr val="bg1"/>
+                </a:solidFill>
+                <a:latin typeface="Corbel" panose="020B0503020204020204" pitchFamily="34" charset="0"/>
+              </a:rPr>
+              <a:t>especially</a:t>
+            </a:r>
+            <a:r>
+              <a:rPr lang="de-CH" dirty="0" smtClean="0">
+                <a:solidFill>
+                  <a:schemeClr val="bg1"/>
+                </a:solidFill>
+                <a:latin typeface="Corbel" panose="020B0503020204020204" pitchFamily="34" charset="0"/>
+              </a:rPr>
+              <a:t>) </a:t>
+            </a:r>
+            <a:r>
+              <a:rPr lang="de-CH" dirty="0" err="1" smtClean="0">
+                <a:solidFill>
+                  <a:schemeClr val="bg1"/>
+                </a:solidFill>
+                <a:latin typeface="Corbel" panose="020B0503020204020204" pitchFamily="34" charset="0"/>
+              </a:rPr>
+              <a:t>differently</a:t>
+            </a:r>
+            <a:r>
+              <a:rPr lang="de-CH" dirty="0" smtClean="0">
+                <a:solidFill>
+                  <a:schemeClr val="bg1"/>
+                </a:solidFill>
+                <a:latin typeface="Corbel" panose="020B0503020204020204" pitchFamily="34" charset="0"/>
+              </a:rPr>
+              <a:t> </a:t>
+            </a:r>
+            <a:r>
+              <a:rPr lang="de-CH" dirty="0" err="1" smtClean="0">
+                <a:solidFill>
+                  <a:schemeClr val="bg1"/>
+                </a:solidFill>
+                <a:latin typeface="Corbel" panose="020B0503020204020204" pitchFamily="34" charset="0"/>
+              </a:rPr>
+              <a:t>sized</a:t>
+            </a:r>
+            <a:r>
+              <a:rPr lang="de-CH" dirty="0" smtClean="0">
+                <a:solidFill>
+                  <a:schemeClr val="bg1"/>
+                </a:solidFill>
+                <a:latin typeface="Corbel" panose="020B0503020204020204" pitchFamily="34" charset="0"/>
+              </a:rPr>
+              <a:t> </a:t>
             </a:r>
             <a:r>
               <a:rPr lang="de-CH" dirty="0" err="1" smtClean="0">
@@ -16236,25 +16342,7 @@
                 </a:solidFill>
                 <a:latin typeface="Corbel" panose="020B0503020204020204" pitchFamily="34" charset="0"/>
               </a:rPr>
-              <a:t>Execution</a:t>
-            </a:r>
-            <a:r>
-              <a:rPr lang="de-CH" dirty="0" smtClean="0">
-                <a:solidFill>
-                  <a:schemeClr val="bg1"/>
-                </a:solidFill>
-                <a:latin typeface="Corbel" panose="020B0503020204020204" pitchFamily="34" charset="0"/>
-              </a:rPr>
-              <a:t> </a:t>
-            </a:r>
-            <a:r>
-              <a:rPr lang="de-CH" dirty="0" err="1" smtClean="0">
-                <a:solidFill>
-                  <a:schemeClr val="bg1"/>
-                </a:solidFill>
-                <a:latin typeface="Corbel" panose="020B0503020204020204" pitchFamily="34" charset="0"/>
-              </a:rPr>
-              <a:t>speed</a:t>
+              <a:t>Reliability</a:t>
             </a:r>
             <a:endParaRPr lang="de-CH" dirty="0" smtClean="0">
               <a:solidFill>
@@ -16266,13 +16354,49 @@
           <a:p>
             <a:pPr lvl="1"/>
             <a:r>
+              <a:rPr lang="de-CH" dirty="0">
+                <a:solidFill>
+                  <a:schemeClr val="bg1"/>
+                </a:solidFill>
+                <a:latin typeface="Corbel" panose="020B0503020204020204" pitchFamily="34" charset="0"/>
+              </a:rPr>
+              <a:t>(</a:t>
+            </a:r>
+            <a:r>
+              <a:rPr lang="de-CH" dirty="0" err="1">
+                <a:solidFill>
+                  <a:schemeClr val="bg1"/>
+                </a:solidFill>
+                <a:latin typeface="Corbel" panose="020B0503020204020204" pitchFamily="34" charset="0"/>
+              </a:rPr>
+              <a:t>Execution</a:t>
+            </a:r>
+            <a:r>
+              <a:rPr lang="de-CH" dirty="0">
+                <a:solidFill>
+                  <a:schemeClr val="bg1"/>
+                </a:solidFill>
+                <a:latin typeface="Corbel" panose="020B0503020204020204" pitchFamily="34" charset="0"/>
+              </a:rPr>
+              <a:t> </a:t>
+            </a:r>
+            <a:r>
               <a:rPr lang="de-CH" dirty="0" err="1" smtClean="0">
                 <a:solidFill>
                   <a:schemeClr val="bg1"/>
                 </a:solidFill>
                 <a:latin typeface="Corbel" panose="020B0503020204020204" pitchFamily="34" charset="0"/>
               </a:rPr>
-              <a:t>Reliability</a:t>
+              <a:t>speed</a:t>
+            </a:r>
+            <a:r>
+              <a:rPr lang="de-CH" dirty="0">
+                <a:solidFill>
+                  <a:schemeClr val="bg1"/>
+                </a:solidFill>
+                <a:latin typeface="Corbel" panose="020B0503020204020204" pitchFamily="34" charset="0"/>
+              </a:rPr>
+              <a:t>)</a:t>
             </a:r>
             <a:endParaRPr lang="de-CH" dirty="0" smtClean="0">
               <a:solidFill>
@@ -16965,7 +17089,7 @@
                 </a:solidFill>
                 <a:latin typeface="Corbel" panose="020B0503020204020204" pitchFamily="34" charset="0"/>
               </a:rPr>
-              <a:t>: 1,1</a:t>
+              <a:t>: 1</a:t>
             </a:r>
             <a:endParaRPr lang="de-CH" sz="2000" dirty="0">
               <a:solidFill>
@@ -17244,7 +17368,7 @@
                 </a:solidFill>
                 <a:latin typeface="Corbel" panose="020B0503020204020204" pitchFamily="34" charset="0"/>
               </a:rPr>
-              <a:t>: 2</a:t>
+              <a:t>: 1</a:t>
             </a:r>
           </a:p>
           <a:p>
@@ -17964,19 +18088,7 @@
                 </a:solidFill>
                 <a:latin typeface="Corbel" panose="020B0503020204020204" pitchFamily="34" charset="0"/>
               </a:rPr>
-              <a:t>, </a:t>
-            </a:r>
-            <a:r>
-              <a:rPr lang="de-CH" sz="2000" dirty="0" smtClean="0">
-                <a:solidFill>
-                  <a:schemeClr val="accent4">
-                    <a:lumMod val="40000"/>
-                    <a:lumOff val="60000"/>
-                  </a:schemeClr>
-                </a:solidFill>
-                <a:latin typeface="Corbel" panose="020B0503020204020204" pitchFamily="34" charset="0"/>
-              </a:rPr>
-              <a:t>4&gt;</a:t>
+              <a:t>, 4&gt;</a:t>
             </a:r>
             <a:endParaRPr lang="de-CH" sz="2000" dirty="0">
               <a:solidFill>
@@ -18124,7 +18236,7 @@
                 </a:solidFill>
                 <a:latin typeface="Corbel" panose="020B0503020204020204" pitchFamily="34" charset="0"/>
               </a:rPr>
-              <a:t>, 2&gt;</a:t>
+              <a:t>, 1&gt;</a:t>
             </a:r>
             <a:endParaRPr lang="de-CH" sz="2000" dirty="0">
               <a:solidFill>
@@ -18852,17 +18964,28 @@
         </p:nvSpPr>
         <p:spPr/>
         <p:txBody>
-          <a:bodyPr/>
+          <a:bodyPr>
+            <a:normAutofit/>
+          </a:bodyPr>
           <a:lstStyle/>
           <a:p>
             <a:r>
+              <a:rPr lang="en-GB" dirty="0" smtClean="0">
+                <a:solidFill>
+                  <a:schemeClr val="bg1"/>
+                </a:solidFill>
+                <a:latin typeface="Corbel" panose="020B0503020204020204" pitchFamily="34" charset="0"/>
+              </a:rPr>
+              <a:t>Exploring (new) </a:t>
+            </a:r>
+            <a:r>
               <a:rPr lang="en-GB" b="1" dirty="0" smtClean="0">
                 <a:solidFill>
                   <a:schemeClr val="bg1"/>
                 </a:solidFill>
                 <a:latin typeface="Corbel" panose="020B0503020204020204" pitchFamily="34" charset="0"/>
               </a:rPr>
-              <a:t>Exploring</a:t>
+              <a:t>possibilities</a:t>
             </a:r>
             <a:r>
               <a:rPr lang="en-GB" dirty="0" smtClean="0">
@@ -18871,7 +18994,34 @@
                 </a:solidFill>
                 <a:latin typeface="Corbel" panose="020B0503020204020204" pitchFamily="34" charset="0"/>
               </a:rPr>
-              <a:t> (new) </a:t>
+              <a:t> </a:t>
+            </a:r>
+            <a:r>
+              <a:rPr lang="en-GB" dirty="0">
+                <a:solidFill>
+                  <a:schemeClr val="bg1"/>
+                </a:solidFill>
+                <a:latin typeface="Corbel" panose="020B0503020204020204" pitchFamily="34" charset="0"/>
+              </a:rPr>
+              <a:t>and </a:t>
+            </a:r>
+            <a:r>
+              <a:rPr lang="en-GB" b="1" dirty="0">
+                <a:solidFill>
+                  <a:schemeClr val="bg1"/>
+                </a:solidFill>
+                <a:latin typeface="Corbel" panose="020B0503020204020204" pitchFamily="34" charset="0"/>
+              </a:rPr>
+              <a:t>testing</a:t>
+            </a:r>
+            <a:r>
+              <a:rPr lang="en-GB" dirty="0">
+                <a:solidFill>
+                  <a:schemeClr val="bg1"/>
+                </a:solidFill>
+                <a:latin typeface="Corbel" panose="020B0503020204020204" pitchFamily="34" charset="0"/>
+              </a:rPr>
+              <a:t> the </a:t>
             </a:r>
             <a:r>
               <a:rPr lang="en-GB" b="1" dirty="0" smtClean="0">
@@ -18880,7 +19030,7 @@
                 </a:solidFill>
                 <a:latin typeface="Corbel" panose="020B0503020204020204" pitchFamily="34" charset="0"/>
               </a:rPr>
-              <a:t>possibilities</a:t>
+              <a:t>feasibility</a:t>
             </a:r>
             <a:r>
               <a:rPr lang="en-GB" dirty="0" smtClean="0">
@@ -18889,124 +19039,162 @@
                 </a:solidFill>
                 <a:latin typeface="Corbel" panose="020B0503020204020204" pitchFamily="34" charset="0"/>
               </a:rPr>
+              <a:t> of implementing MapReduce on </a:t>
+            </a:r>
+            <a:r>
+              <a:rPr lang="en-GB" dirty="0">
+                <a:solidFill>
+                  <a:schemeClr val="bg1"/>
+                </a:solidFill>
+                <a:latin typeface="Corbel" panose="020B0503020204020204" pitchFamily="34" charset="0"/>
+              </a:rPr>
+              <a:t>TomP2P </a:t>
+            </a:r>
+            <a:r>
+              <a:rPr lang="en-GB" dirty="0" smtClean="0">
+                <a:solidFill>
+                  <a:schemeClr val="bg1"/>
+                </a:solidFill>
+                <a:latin typeface="Corbel" panose="020B0503020204020204" pitchFamily="34" charset="0"/>
+              </a:rPr>
+              <a:t>with a </a:t>
+            </a:r>
+            <a:r>
+              <a:rPr lang="en-GB" b="1" dirty="0" smtClean="0">
+                <a:solidFill>
+                  <a:schemeClr val="bg1"/>
+                </a:solidFill>
+                <a:latin typeface="Corbel" panose="020B0503020204020204" pitchFamily="34" charset="0"/>
+              </a:rPr>
+              <a:t>distributed hash table </a:t>
+            </a:r>
+            <a:r>
+              <a:rPr lang="en-GB" dirty="0">
+                <a:solidFill>
+                  <a:schemeClr val="bg1"/>
+                </a:solidFill>
+                <a:latin typeface="Corbel" panose="020B0503020204020204" pitchFamily="34" charset="0"/>
+              </a:rPr>
+              <a:t>as main storage </a:t>
+            </a:r>
+            <a:r>
+              <a:rPr lang="en-GB" dirty="0" smtClean="0">
+                <a:solidFill>
+                  <a:schemeClr val="bg1"/>
+                </a:solidFill>
+                <a:latin typeface="Corbel" panose="020B0503020204020204" pitchFamily="34" charset="0"/>
+              </a:rPr>
+              <a:t>facility</a:t>
+            </a:r>
+          </a:p>
+          <a:p>
+            <a:r>
+              <a:rPr lang="en-GB" dirty="0" smtClean="0">
+                <a:solidFill>
+                  <a:schemeClr val="bg1"/>
+                </a:solidFill>
+                <a:latin typeface="Corbel" panose="020B0503020204020204" pitchFamily="34" charset="0"/>
+              </a:rPr>
+              <a:t>Exploring ways to </a:t>
+            </a:r>
+            <a:r>
+              <a:rPr lang="en-GB" b="1" dirty="0" smtClean="0">
+                <a:solidFill>
+                  <a:schemeClr val="bg1"/>
+                </a:solidFill>
+                <a:latin typeface="Corbel" panose="020B0503020204020204" pitchFamily="34" charset="0"/>
+              </a:rPr>
+              <a:t>increase</a:t>
+            </a:r>
+            <a:r>
+              <a:rPr lang="en-GB" dirty="0" smtClean="0">
+                <a:solidFill>
+                  <a:schemeClr val="bg1"/>
+                </a:solidFill>
+                <a:latin typeface="Corbel" panose="020B0503020204020204" pitchFamily="34" charset="0"/>
+              </a:rPr>
               <a:t> </a:t>
             </a:r>
             <a:r>
+              <a:rPr lang="en-GB" b="1" dirty="0" smtClean="0">
+                <a:solidFill>
+                  <a:schemeClr val="bg1"/>
+                </a:solidFill>
+                <a:latin typeface="Corbel" panose="020B0503020204020204" pitchFamily="34" charset="0"/>
+              </a:rPr>
+              <a:t>reliability</a:t>
+            </a:r>
+            <a:r>
+              <a:rPr lang="en-GB" dirty="0" smtClean="0">
+                <a:solidFill>
+                  <a:schemeClr val="bg1"/>
+                </a:solidFill>
+                <a:latin typeface="Corbel" panose="020B0503020204020204" pitchFamily="34" charset="0"/>
+              </a:rPr>
+              <a:t> (e.g., by</a:t>
+            </a:r>
+            <a:r>
+              <a:rPr lang="en-GB" b="1" dirty="0" smtClean="0">
+                <a:solidFill>
+                  <a:schemeClr val="bg1"/>
+                </a:solidFill>
+                <a:latin typeface="Corbel" panose="020B0503020204020204" pitchFamily="34" charset="0"/>
+              </a:rPr>
+              <a:t> avoiding managing </a:t>
+            </a:r>
+            <a:r>
+              <a:rPr lang="en-GB" b="1" dirty="0">
+                <a:solidFill>
+                  <a:schemeClr val="bg1"/>
+                </a:solidFill>
+                <a:latin typeface="Corbel" panose="020B0503020204020204" pitchFamily="34" charset="0"/>
+              </a:rPr>
+              <a:t>entities </a:t>
+            </a:r>
+            <a:r>
               <a:rPr lang="en-GB" dirty="0">
                 <a:solidFill>
                   <a:schemeClr val="bg1"/>
                 </a:solidFill>
                 <a:latin typeface="Corbel" panose="020B0503020204020204" pitchFamily="34" charset="0"/>
               </a:rPr>
-              <a:t>and </a:t>
-            </a:r>
-            <a:r>
-              <a:rPr lang="en-GB" b="1" dirty="0">
-                <a:solidFill>
-                  <a:schemeClr val="bg1"/>
-                </a:solidFill>
-                <a:latin typeface="Corbel" panose="020B0503020204020204" pitchFamily="34" charset="0"/>
-              </a:rPr>
-              <a:t>testing</a:t>
-            </a:r>
-            <a:r>
-              <a:rPr lang="en-GB" dirty="0">
-                <a:solidFill>
-                  <a:schemeClr val="bg1"/>
-                </a:solidFill>
-                <a:latin typeface="Corbel" panose="020B0503020204020204" pitchFamily="34" charset="0"/>
-              </a:rPr>
-              <a:t> the </a:t>
-            </a:r>
-            <a:r>
-              <a:rPr lang="en-GB" b="1" dirty="0" smtClean="0">
-                <a:solidFill>
-                  <a:schemeClr val="bg1"/>
-                </a:solidFill>
-                <a:latin typeface="Corbel" panose="020B0503020204020204" pitchFamily="34" charset="0"/>
-              </a:rPr>
-              <a:t>feasibility</a:t>
-            </a:r>
-            <a:r>
-              <a:rPr lang="en-GB" dirty="0" smtClean="0">
-                <a:solidFill>
-                  <a:schemeClr val="bg1"/>
-                </a:solidFill>
-                <a:latin typeface="Corbel" panose="020B0503020204020204" pitchFamily="34" charset="0"/>
-              </a:rPr>
-              <a:t> of implementing MapReduce on </a:t>
-            </a:r>
-            <a:r>
-              <a:rPr lang="en-GB" dirty="0">
-                <a:solidFill>
-                  <a:schemeClr val="bg1"/>
-                </a:solidFill>
-                <a:latin typeface="Corbel" panose="020B0503020204020204" pitchFamily="34" charset="0"/>
-              </a:rPr>
-              <a:t>TomP2P </a:t>
-            </a:r>
-            <a:r>
-              <a:rPr lang="en-GB" dirty="0" smtClean="0">
-                <a:solidFill>
-                  <a:schemeClr val="bg1"/>
-                </a:solidFill>
-                <a:latin typeface="Corbel" panose="020B0503020204020204" pitchFamily="34" charset="0"/>
-              </a:rPr>
-              <a:t>with a </a:t>
-            </a:r>
-            <a:r>
-              <a:rPr lang="en-GB" b="1" dirty="0" smtClean="0">
-                <a:solidFill>
-                  <a:schemeClr val="bg1"/>
-                </a:solidFill>
-                <a:latin typeface="Corbel" panose="020B0503020204020204" pitchFamily="34" charset="0"/>
-              </a:rPr>
-              <a:t>distributed hash table </a:t>
-            </a:r>
-            <a:r>
-              <a:rPr lang="en-GB" dirty="0">
-                <a:solidFill>
-                  <a:schemeClr val="bg1"/>
-                </a:solidFill>
-                <a:latin typeface="Corbel" panose="020B0503020204020204" pitchFamily="34" charset="0"/>
-              </a:rPr>
-              <a:t>as main storage </a:t>
-            </a:r>
-            <a:r>
-              <a:rPr lang="en-GB" dirty="0" smtClean="0">
-                <a:solidFill>
-                  <a:schemeClr val="bg1"/>
-                </a:solidFill>
-                <a:latin typeface="Corbel" panose="020B0503020204020204" pitchFamily="34" charset="0"/>
-              </a:rPr>
-              <a:t>facility and </a:t>
-            </a:r>
-            <a:r>
-              <a:rPr lang="en-GB" b="1" dirty="0" smtClean="0">
-                <a:solidFill>
-                  <a:schemeClr val="bg1"/>
-                </a:solidFill>
-                <a:latin typeface="Corbel" panose="020B0503020204020204" pitchFamily="34" charset="0"/>
-              </a:rPr>
-              <a:t>without managing entities </a:t>
-            </a:r>
-            <a:r>
-              <a:rPr lang="en-GB" dirty="0" smtClean="0">
-                <a:solidFill>
-                  <a:schemeClr val="bg1"/>
-                </a:solidFill>
-                <a:latin typeface="Corbel" panose="020B0503020204020204" pitchFamily="34" charset="0"/>
-              </a:rPr>
               <a:t>for assigning jobs to workers </a:t>
             </a:r>
             <a:r>
+              <a:rPr lang="de-CH" dirty="0">
+                <a:solidFill>
+                  <a:schemeClr val="bg1"/>
+                </a:solidFill>
+                <a:latin typeface="Corbel" panose="020B0503020204020204" pitchFamily="34" charset="0"/>
+              </a:rPr>
+              <a:t>(like e.g. </a:t>
+            </a:r>
+            <a:r>
+              <a:rPr lang="de-CH" dirty="0" err="1" smtClean="0">
+                <a:solidFill>
+                  <a:schemeClr val="bg1"/>
+                </a:solidFill>
+                <a:latin typeface="Corbel" panose="020B0503020204020204" pitchFamily="34" charset="0"/>
+              </a:rPr>
+              <a:t>master</a:t>
+            </a:r>
+            <a:r>
               <a:rPr lang="de-CH" dirty="0" smtClean="0">
                 <a:solidFill>
                   <a:schemeClr val="bg1"/>
                 </a:solidFill>
                 <a:latin typeface="Corbel" panose="020B0503020204020204" pitchFamily="34" charset="0"/>
               </a:rPr>
-              <a:t>(like e.g</a:t>
+              <a:t> </a:t>
+            </a:r>
+            <a:r>
+              <a:rPr lang="de-CH" dirty="0" err="1" smtClean="0">
+                <a:solidFill>
+                  <a:schemeClr val="bg1"/>
+                </a:solidFill>
+                <a:latin typeface="Corbel" panose="020B0503020204020204" pitchFamily="34" charset="0"/>
+              </a:rPr>
+              <a:t>nodes</a:t>
             </a:r>
             <a:r>
               <a:rPr lang="de-CH" dirty="0" smtClean="0">
@@ -19015,46 +19203,19 @@
                 </a:solidFill>
                 <a:latin typeface="Corbel" panose="020B0503020204020204" pitchFamily="34" charset="0"/>
               </a:rPr>
-              <a:t>. a </a:t>
-            </a:r>
-            <a:r>
-              <a:rPr lang="de-CH" dirty="0" err="1" smtClean="0">
-                <a:solidFill>
-                  <a:schemeClr val="bg1"/>
-                </a:solidFill>
-                <a:latin typeface="Corbel" panose="020B0503020204020204" pitchFamily="34" charset="0"/>
-              </a:rPr>
-              <a:t>master</a:t>
-            </a:r>
-            <a:r>
-              <a:rPr lang="de-CH" dirty="0" smtClean="0">
-                <a:solidFill>
-                  <a:schemeClr val="bg1"/>
-                </a:solidFill>
-                <a:latin typeface="Corbel" panose="020B0503020204020204" pitchFamily="34" charset="0"/>
-              </a:rPr>
               <a:t> </a:t>
             </a:r>
             <a:r>
-              <a:rPr lang="de-CH" dirty="0" err="1" smtClean="0">
-                <a:solidFill>
-                  <a:schemeClr val="bg1"/>
-                </a:solidFill>
-                <a:latin typeface="Corbel" panose="020B0503020204020204" pitchFamily="34" charset="0"/>
-              </a:rPr>
-              <a:t>node</a:t>
-            </a:r>
-            <a:r>
-              <a:rPr lang="de-CH" dirty="0" smtClean="0">
-                <a:solidFill>
-                  <a:schemeClr val="bg1"/>
-                </a:solidFill>
-                <a:latin typeface="Corbel" panose="020B0503020204020204" pitchFamily="34" charset="0"/>
-              </a:rPr>
-              <a:t> in </a:t>
-            </a:r>
-            <a:r>
-              <a:rPr lang="de-CH" dirty="0" err="1" smtClean="0">
+              <a:rPr lang="de-CH" dirty="0">
+                <a:solidFill>
+                  <a:schemeClr val="bg1"/>
+                </a:solidFill>
+                <a:latin typeface="Corbel" panose="020B0503020204020204" pitchFamily="34" charset="0"/>
+              </a:rPr>
+              <a:t>in </a:t>
+            </a:r>
+            <a:r>
+              <a:rPr lang="de-CH" dirty="0" err="1">
                 <a:solidFill>
                   <a:schemeClr val="bg1"/>
                 </a:solidFill>
@@ -19063,7 +19224,7 @@
               <a:t>Hadoop</a:t>
             </a:r>
             <a:r>
-              <a:rPr lang="de-CH" dirty="0" smtClean="0">
+              <a:rPr lang="de-CH" dirty="0">
                 <a:solidFill>
                   <a:schemeClr val="bg1"/>
                 </a:solidFill>
@@ -19080,32 +19241,17 @@
           </a:p>
           <a:p>
             <a:r>
-              <a:rPr lang="en-GB" b="1" dirty="0" smtClean="0">
-                <a:solidFill>
-                  <a:schemeClr val="bg1"/>
-                </a:solidFill>
-                <a:latin typeface="Corbel" panose="020B0503020204020204" pitchFamily="34" charset="0"/>
-              </a:rPr>
-              <a:t>Exploring</a:t>
-            </a:r>
-            <a:r>
               <a:rPr lang="en-GB" dirty="0" smtClean="0">
                 <a:solidFill>
                   <a:schemeClr val="bg1"/>
                 </a:solidFill>
                 <a:latin typeface="Corbel" panose="020B0503020204020204" pitchFamily="34" charset="0"/>
               </a:rPr>
-              <a:t> ways to increase </a:t>
-            </a:r>
-            <a:r>
-              <a:rPr lang="en-GB" b="1" dirty="0" smtClean="0">
-                <a:solidFill>
-                  <a:schemeClr val="bg1"/>
-                </a:solidFill>
-                <a:latin typeface="Corbel" panose="020B0503020204020204" pitchFamily="34" charset="0"/>
-              </a:rPr>
-              <a:t>reliability</a:t>
-            </a:r>
+              <a:t>Personal Goals</a:t>
+            </a:r>
+          </a:p>
+          <a:p>
+            <a:pPr lvl="1"/>
             <a:r>
               <a:rPr lang="en-GB" dirty="0" smtClean="0">
                 <a:solidFill>
@@ -19113,10 +19259,11 @@
                 </a:solidFill>
                 <a:latin typeface="Corbel" panose="020B0503020204020204" pitchFamily="34" charset="0"/>
               </a:rPr>
-              <a:t> compared to e.g. Hadoop</a:t>
-            </a:r>
-          </a:p>
-          <a:p>
+              <a:t>Working and dealing with challenges in distributed systems</a:t>
+            </a:r>
+          </a:p>
+          <a:p>
+            <a:pPr lvl="1"/>
             <a:r>
               <a:rPr lang="en-GB" dirty="0" smtClean="0">
                 <a:solidFill>
@@ -19124,7 +19271,19 @@
                 </a:solidFill>
                 <a:latin typeface="Corbel" panose="020B0503020204020204" pitchFamily="34" charset="0"/>
               </a:rPr>
-              <a:t>Personal Goal: working and dealing with challenges in distributed systems, deepening understanding of both MapReduce and P2P</a:t>
+              <a:t>Deepening understanding of both MapReduce and P2P</a:t>
+            </a:r>
+          </a:p>
+          <a:p>
+            <a:pPr lvl="1"/>
+            <a:r>
+              <a:rPr lang="en-GB" dirty="0" smtClean="0">
+                <a:solidFill>
+                  <a:schemeClr val="bg1"/>
+                </a:solidFill>
+                <a:latin typeface="Corbel" panose="020B0503020204020204" pitchFamily="34" charset="0"/>
+              </a:rPr>
+              <a:t>Deepening knowledge of Java and testing of non-trivial systems</a:t>
             </a:r>
             <a:endParaRPr lang="en-GB" dirty="0">
               <a:solidFill>
@@ -19331,7 +19490,97 @@
                 </a:solidFill>
                 <a:latin typeface="Corbel" panose="020B0503020204020204" pitchFamily="34" charset="0"/>
               </a:rPr>
-              <a:t> a fault-tolerant MR </a:t>
+              <a:t> a </a:t>
+            </a:r>
+            <a:r>
+              <a:rPr lang="de-CH" b="1" dirty="0" smtClean="0">
+                <a:solidFill>
+                  <a:schemeClr val="bg1"/>
+                </a:solidFill>
+                <a:latin typeface="Corbel" panose="020B0503020204020204" pitchFamily="34" charset="0"/>
+              </a:rPr>
+              <a:t>fault-tolerant MR </a:t>
+            </a:r>
+            <a:r>
+              <a:rPr lang="de-CH" b="1" dirty="0" err="1" smtClean="0">
+                <a:solidFill>
+                  <a:schemeClr val="bg1"/>
+                </a:solidFill>
+                <a:latin typeface="Corbel" panose="020B0503020204020204" pitchFamily="34" charset="0"/>
+              </a:rPr>
+              <a:t>system</a:t>
+            </a:r>
+            <a:r>
+              <a:rPr lang="de-CH" b="1" dirty="0" smtClean="0">
+                <a:solidFill>
+                  <a:schemeClr val="bg1"/>
+                </a:solidFill>
+                <a:latin typeface="Corbel" panose="020B0503020204020204" pitchFamily="34" charset="0"/>
+              </a:rPr>
+              <a:t> </a:t>
+            </a:r>
+            <a:r>
+              <a:rPr lang="de-CH" dirty="0" smtClean="0">
+                <a:solidFill>
+                  <a:schemeClr val="bg1"/>
+                </a:solidFill>
+                <a:latin typeface="Corbel" panose="020B0503020204020204" pitchFamily="34" charset="0"/>
+              </a:rPr>
+              <a:t>on a </a:t>
+            </a:r>
+            <a:r>
+              <a:rPr lang="de-CH" b="1" dirty="0" smtClean="0">
+                <a:solidFill>
+                  <a:schemeClr val="bg1"/>
+                </a:solidFill>
+                <a:latin typeface="Corbel" panose="020B0503020204020204" pitchFamily="34" charset="0"/>
+              </a:rPr>
+              <a:t>P2P </a:t>
+            </a:r>
+            <a:r>
+              <a:rPr lang="de-CH" b="1" dirty="0" err="1" smtClean="0">
+                <a:solidFill>
+                  <a:schemeClr val="bg1"/>
+                </a:solidFill>
+                <a:latin typeface="Corbel" panose="020B0503020204020204" pitchFamily="34" charset="0"/>
+              </a:rPr>
+              <a:t>overlay</a:t>
+            </a:r>
+            <a:r>
+              <a:rPr lang="de-CH" b="1" dirty="0" smtClean="0">
+                <a:solidFill>
+                  <a:schemeClr val="bg1"/>
+                </a:solidFill>
+                <a:latin typeface="Corbel" panose="020B0503020204020204" pitchFamily="34" charset="0"/>
+              </a:rPr>
+              <a:t> </a:t>
+            </a:r>
+            <a:r>
+              <a:rPr lang="de-CH" b="1" dirty="0" err="1" smtClean="0">
+                <a:solidFill>
+                  <a:schemeClr val="bg1"/>
+                </a:solidFill>
+                <a:latin typeface="Corbel" panose="020B0503020204020204" pitchFamily="34" charset="0"/>
+              </a:rPr>
+              <a:t>network</a:t>
+            </a:r>
+            <a:r>
+              <a:rPr lang="de-CH" b="1" dirty="0" smtClean="0">
+                <a:solidFill>
+                  <a:schemeClr val="bg1"/>
+                </a:solidFill>
+                <a:latin typeface="Corbel" panose="020B0503020204020204" pitchFamily="34" charset="0"/>
+              </a:rPr>
+              <a:t> </a:t>
+            </a:r>
+            <a:r>
+              <a:rPr lang="de-CH" dirty="0" smtClean="0">
+                <a:solidFill>
+                  <a:schemeClr val="bg1"/>
+                </a:solidFill>
+                <a:latin typeface="Corbel" panose="020B0503020204020204" pitchFamily="34" charset="0"/>
+              </a:rPr>
+              <a:t>(</a:t>
             </a:r>
             <a:r>
               <a:rPr lang="de-CH" dirty="0" err="1" smtClean="0">
@@ -19340,7 +19589,7 @@
                 </a:solidFill>
                 <a:latin typeface="Corbel" panose="020B0503020204020204" pitchFamily="34" charset="0"/>
               </a:rPr>
-              <a:t>system</a:t>
+              <a:t>without</a:t>
             </a:r>
             <a:r>
               <a:rPr lang="de-CH" dirty="0" smtClean="0">
@@ -19349,7 +19598,7 @@
                 </a:solidFill>
                 <a:latin typeface="Corbel" panose="020B0503020204020204" pitchFamily="34" charset="0"/>
               </a:rPr>
-              <a:t> on a P2P </a:t>
+              <a:t> </a:t>
             </a:r>
             <a:r>
               <a:rPr lang="de-CH" dirty="0" err="1" smtClean="0">
@@ -19358,7 +19607,7 @@
                 </a:solidFill>
                 <a:latin typeface="Corbel" panose="020B0503020204020204" pitchFamily="34" charset="0"/>
               </a:rPr>
-              <a:t>overlay</a:t>
+              <a:t>using</a:t>
             </a:r>
             <a:r>
               <a:rPr lang="de-CH" dirty="0" smtClean="0">
@@ -19376,7 +19625,7 @@
                 </a:solidFill>
                 <a:latin typeface="Corbel" panose="020B0503020204020204" pitchFamily="34" charset="0"/>
               </a:rPr>
-              <a:t>network</a:t>
+              <a:t>any</a:t>
             </a:r>
             <a:r>
               <a:rPr lang="de-CH" dirty="0" smtClean="0">
@@ -19385,8 +19634,50 @@
                 </a:solidFill>
                 <a:latin typeface="Corbel" panose="020B0503020204020204" pitchFamily="34" charset="0"/>
               </a:rPr>
-              <a:t>?</a:t>
-            </a:r>
+              <a:t> form </a:t>
+            </a:r>
+            <a:r>
+              <a:rPr lang="de-CH" dirty="0" err="1" smtClean="0">
+                <a:solidFill>
+                  <a:schemeClr val="bg1"/>
+                </a:solidFill>
+                <a:latin typeface="Corbel" panose="020B0503020204020204" pitchFamily="34" charset="0"/>
+              </a:rPr>
+              <a:t>of</a:t>
+            </a:r>
+            <a:r>
+              <a:rPr lang="de-CH" dirty="0" smtClean="0">
+                <a:solidFill>
+                  <a:schemeClr val="bg1"/>
+                </a:solidFill>
+                <a:latin typeface="Corbel" panose="020B0503020204020204" pitchFamily="34" charset="0"/>
+              </a:rPr>
+              <a:t> </a:t>
+            </a:r>
+            <a:r>
+              <a:rPr lang="de-CH" dirty="0" err="1" smtClean="0">
+                <a:solidFill>
+                  <a:schemeClr val="bg1"/>
+                </a:solidFill>
+                <a:latin typeface="Corbel" panose="020B0503020204020204" pitchFamily="34" charset="0"/>
+              </a:rPr>
+              <a:t>masters</a:t>
+            </a:r>
+            <a:r>
+              <a:rPr lang="de-CH" dirty="0" smtClean="0">
+                <a:solidFill>
+                  <a:schemeClr val="bg1"/>
+                </a:solidFill>
+                <a:latin typeface="Corbel" panose="020B0503020204020204" pitchFamily="34" charset="0"/>
+              </a:rPr>
+              <a:t>)?</a:t>
+            </a:r>
+            <a:endParaRPr lang="de-CH" dirty="0" smtClean="0">
+              <a:solidFill>
+                <a:schemeClr val="bg1"/>
+              </a:solidFill>
+              <a:latin typeface="Corbel" panose="020B0503020204020204" pitchFamily="34" charset="0"/>
+            </a:endParaRPr>
           </a:p>
           <a:p>
             <a:pPr lvl="1"/>
@@ -19567,10 +19858,19 @@
                 </a:solidFill>
                 <a:latin typeface="Corbel" panose="020B0503020204020204" pitchFamily="34" charset="0"/>
               </a:rPr>
-              <a:t> finish </a:t>
-            </a:r>
-            <a:r>
-              <a:rPr lang="de-CH" dirty="0" err="1" smtClean="0">
+              <a:t> </a:t>
+            </a:r>
+            <a:r>
+              <a:rPr lang="de-CH" b="1" dirty="0" smtClean="0">
+                <a:solidFill>
+                  <a:schemeClr val="bg1"/>
+                </a:solidFill>
+                <a:latin typeface="Corbel" panose="020B0503020204020204" pitchFamily="34" charset="0"/>
+              </a:rPr>
+              <a:t>finish </a:t>
+            </a:r>
+            <a:r>
+              <a:rPr lang="de-CH" b="1" dirty="0" err="1" smtClean="0">
                 <a:solidFill>
                   <a:schemeClr val="bg1"/>
                 </a:solidFill>
@@ -19579,7 +19879,7 @@
               <a:t>execution</a:t>
             </a:r>
             <a:r>
-              <a:rPr lang="de-CH" dirty="0" smtClean="0">
+              <a:rPr lang="de-CH" b="1" dirty="0" smtClean="0">
                 <a:solidFill>
                   <a:schemeClr val="bg1"/>
                 </a:solidFill>
@@ -19588,7 +19888,7 @@
               <a:t> </a:t>
             </a:r>
             <a:r>
-              <a:rPr lang="de-CH" dirty="0" err="1" smtClean="0">
+              <a:rPr lang="de-CH" b="1" dirty="0" err="1" smtClean="0">
                 <a:solidFill>
                   <a:schemeClr val="bg1"/>
                 </a:solidFill>
@@ -19680,13 +19980,76 @@
               <a:t> </a:t>
             </a:r>
             <a:r>
+              <a:rPr lang="de-CH" b="1" dirty="0" err="1" smtClean="0">
+                <a:solidFill>
+                  <a:schemeClr val="bg1"/>
+                </a:solidFill>
+                <a:latin typeface="Corbel" panose="020B0503020204020204" pitchFamily="34" charset="0"/>
+              </a:rPr>
+              <a:t>avoid</a:t>
+            </a:r>
+            <a:r>
+              <a:rPr lang="de-CH" b="1" dirty="0" smtClean="0">
+                <a:solidFill>
+                  <a:schemeClr val="bg1"/>
+                </a:solidFill>
+                <a:latin typeface="Corbel" panose="020B0503020204020204" pitchFamily="34" charset="0"/>
+              </a:rPr>
+              <a:t> </a:t>
+            </a:r>
+            <a:r>
+              <a:rPr lang="de-CH" b="1" dirty="0" err="1" smtClean="0">
+                <a:solidFill>
+                  <a:schemeClr val="bg1"/>
+                </a:solidFill>
+                <a:latin typeface="Corbel" panose="020B0503020204020204" pitchFamily="34" charset="0"/>
+              </a:rPr>
+              <a:t>data</a:t>
+            </a:r>
+            <a:r>
+              <a:rPr lang="de-CH" b="1" dirty="0" smtClean="0">
+                <a:solidFill>
+                  <a:schemeClr val="bg1"/>
+                </a:solidFill>
+                <a:latin typeface="Corbel" panose="020B0503020204020204" pitchFamily="34" charset="0"/>
+              </a:rPr>
+              <a:t> </a:t>
+            </a:r>
+            <a:r>
+              <a:rPr lang="de-CH" b="1" dirty="0" err="1" smtClean="0">
+                <a:solidFill>
+                  <a:schemeClr val="bg1"/>
+                </a:solidFill>
+                <a:latin typeface="Corbel" panose="020B0503020204020204" pitchFamily="34" charset="0"/>
+              </a:rPr>
+              <a:t>corruption</a:t>
+            </a:r>
+            <a:r>
+              <a:rPr lang="de-CH" b="1" dirty="0" smtClean="0">
+                <a:solidFill>
+                  <a:schemeClr val="bg1"/>
+                </a:solidFill>
+                <a:latin typeface="Corbel" panose="020B0503020204020204" pitchFamily="34" charset="0"/>
+              </a:rPr>
+              <a:t> </a:t>
+            </a:r>
+            <a:r>
+              <a:rPr lang="de-CH" dirty="0" smtClean="0">
+                <a:solidFill>
+                  <a:schemeClr val="bg1"/>
+                </a:solidFill>
+                <a:latin typeface="Corbel" panose="020B0503020204020204" pitchFamily="34" charset="0"/>
+              </a:rPr>
+              <a:t>in </a:t>
+            </a:r>
+            <a:r>
               <a:rPr lang="de-CH" dirty="0" err="1" smtClean="0">
                 <a:solidFill>
                   <a:schemeClr val="bg1"/>
                 </a:solidFill>
                 <a:latin typeface="Corbel" panose="020B0503020204020204" pitchFamily="34" charset="0"/>
               </a:rPr>
-              <a:t>avoid</a:t>
+              <a:t>case</a:t>
             </a:r>
             <a:r>
               <a:rPr lang="de-CH" dirty="0" smtClean="0">
@@ -19704,7 +20067,7 @@
                 </a:solidFill>
                 <a:latin typeface="Corbel" panose="020B0503020204020204" pitchFamily="34" charset="0"/>
               </a:rPr>
-              <a:t>data</a:t>
+              <a:t>of</a:t>
             </a:r>
             <a:r>
               <a:rPr lang="de-CH" dirty="0" smtClean="0">
@@ -19722,7 +20085,7 @@
                 </a:solidFill>
                 <a:latin typeface="Corbel" panose="020B0503020204020204" pitchFamily="34" charset="0"/>
               </a:rPr>
-              <a:t>corruption</a:t>
+              <a:t>node</a:t>
             </a:r>
             <a:r>
               <a:rPr lang="de-CH" dirty="0" smtClean="0">
@@ -19731,7 +20094,7 @@
                 </a:solidFill>
                 <a:latin typeface="Corbel" panose="020B0503020204020204" pitchFamily="34" charset="0"/>
               </a:rPr>
-              <a:t> in </a:t>
+              <a:t> </a:t>
             </a:r>
             <a:r>
               <a:rPr lang="de-CH" dirty="0" err="1" smtClean="0">
@@ -19740,43 +20103,7 @@
                 </a:solidFill>
                 <a:latin typeface="Corbel" panose="020B0503020204020204" pitchFamily="34" charset="0"/>
               </a:rPr>
-              <a:t>case</a:t>
-            </a:r>
-            <a:r>
-              <a:rPr lang="de-CH" dirty="0" smtClean="0">
-                <a:solidFill>
-                  <a:schemeClr val="bg1"/>
-                </a:solidFill>
-                <a:latin typeface="Corbel" panose="020B0503020204020204" pitchFamily="34" charset="0"/>
-              </a:rPr>
-              <a:t> a </a:t>
-            </a:r>
-            <a:r>
-              <a:rPr lang="de-CH" dirty="0" err="1" smtClean="0">
-                <a:solidFill>
-                  <a:schemeClr val="bg1"/>
-                </a:solidFill>
-                <a:latin typeface="Corbel" panose="020B0503020204020204" pitchFamily="34" charset="0"/>
-              </a:rPr>
-              <a:t>node</a:t>
-            </a:r>
-            <a:r>
-              <a:rPr lang="de-CH" dirty="0" smtClean="0">
-                <a:solidFill>
-                  <a:schemeClr val="bg1"/>
-                </a:solidFill>
-                <a:latin typeface="Corbel" panose="020B0503020204020204" pitchFamily="34" charset="0"/>
-              </a:rPr>
-              <a:t> </a:t>
-            </a:r>
-            <a:r>
-              <a:rPr lang="de-CH" dirty="0" err="1" smtClean="0">
-                <a:solidFill>
-                  <a:schemeClr val="bg1"/>
-                </a:solidFill>
-                <a:latin typeface="Corbel" panose="020B0503020204020204" pitchFamily="34" charset="0"/>
-              </a:rPr>
-              <a:t>fails</a:t>
+              <a:t>failures</a:t>
             </a:r>
             <a:r>
               <a:rPr lang="de-CH" dirty="0" smtClean="0">
@@ -19982,6 +20309,115 @@
               <a:t> </a:t>
             </a:r>
             <a:r>
+              <a:rPr lang="de-CH" b="1" dirty="0" err="1" smtClean="0">
+                <a:solidFill>
+                  <a:schemeClr val="bg1"/>
+                </a:solidFill>
+                <a:latin typeface="Corbel" panose="020B0503020204020204" pitchFamily="34" charset="0"/>
+              </a:rPr>
+              <a:t>every</a:t>
+            </a:r>
+            <a:r>
+              <a:rPr lang="de-CH" b="1" dirty="0" smtClean="0">
+                <a:solidFill>
+                  <a:schemeClr val="bg1"/>
+                </a:solidFill>
+                <a:latin typeface="Corbel" panose="020B0503020204020204" pitchFamily="34" charset="0"/>
+              </a:rPr>
+              <a:t> </a:t>
+            </a:r>
+            <a:r>
+              <a:rPr lang="de-CH" b="1" dirty="0" err="1" smtClean="0">
+                <a:solidFill>
+                  <a:schemeClr val="bg1"/>
+                </a:solidFill>
+                <a:latin typeface="Corbel" panose="020B0503020204020204" pitchFamily="34" charset="0"/>
+              </a:rPr>
+              <a:t>node</a:t>
+            </a:r>
+            <a:r>
+              <a:rPr lang="de-CH" b="1" dirty="0" smtClean="0">
+                <a:solidFill>
+                  <a:schemeClr val="bg1"/>
+                </a:solidFill>
+                <a:latin typeface="Corbel" panose="020B0503020204020204" pitchFamily="34" charset="0"/>
+              </a:rPr>
+              <a:t> </a:t>
+            </a:r>
+            <a:r>
+              <a:rPr lang="de-CH" b="1" dirty="0" err="1" smtClean="0">
+                <a:solidFill>
+                  <a:schemeClr val="bg1"/>
+                </a:solidFill>
+                <a:latin typeface="Corbel" panose="020B0503020204020204" pitchFamily="34" charset="0"/>
+              </a:rPr>
+              <a:t>can</a:t>
+            </a:r>
+            <a:r>
+              <a:rPr lang="de-CH" b="1" dirty="0" smtClean="0">
+                <a:solidFill>
+                  <a:schemeClr val="bg1"/>
+                </a:solidFill>
+                <a:latin typeface="Corbel" panose="020B0503020204020204" pitchFamily="34" charset="0"/>
+              </a:rPr>
+              <a:t> </a:t>
+            </a:r>
+            <a:r>
+              <a:rPr lang="de-CH" b="1" dirty="0" err="1" smtClean="0">
+                <a:solidFill>
+                  <a:schemeClr val="bg1"/>
+                </a:solidFill>
+                <a:latin typeface="Corbel" panose="020B0503020204020204" pitchFamily="34" charset="0"/>
+              </a:rPr>
+              <a:t>and</a:t>
+            </a:r>
+            <a:r>
+              <a:rPr lang="de-CH" b="1" dirty="0" smtClean="0">
+                <a:solidFill>
+                  <a:schemeClr val="bg1"/>
+                </a:solidFill>
+                <a:latin typeface="Corbel" panose="020B0503020204020204" pitchFamily="34" charset="0"/>
+              </a:rPr>
+              <a:t> will </a:t>
+            </a:r>
+            <a:r>
+              <a:rPr lang="de-CH" b="1" dirty="0" err="1" smtClean="0">
+                <a:solidFill>
+                  <a:schemeClr val="bg1"/>
+                </a:solidFill>
+                <a:latin typeface="Corbel" panose="020B0503020204020204" pitchFamily="34" charset="0"/>
+              </a:rPr>
+              <a:t>fail</a:t>
+            </a:r>
+            <a:r>
+              <a:rPr lang="de-CH" dirty="0" smtClean="0">
+                <a:solidFill>
+                  <a:schemeClr val="bg1"/>
+                </a:solidFill>
+                <a:latin typeface="Corbel" panose="020B0503020204020204" pitchFamily="34" charset="0"/>
+              </a:rPr>
+              <a:t> </a:t>
+            </a:r>
+            <a:r>
+              <a:rPr lang="de-CH" dirty="0" smtClean="0">
+                <a:solidFill>
+                  <a:schemeClr val="bg1"/>
+                </a:solidFill>
+                <a:latin typeface="Corbel" panose="020B0503020204020204" pitchFamily="34" charset="0"/>
+                <a:sym typeface="Wingdings" panose="05000000000000000000" pitchFamily="2" charset="2"/>
+              </a:rPr>
+              <a:t></a:t>
+            </a:r>
+            <a:r>
+              <a:rPr lang="de-CH" dirty="0" smtClean="0">
+                <a:solidFill>
+                  <a:schemeClr val="bg1"/>
+                </a:solidFill>
+                <a:latin typeface="Corbel" panose="020B0503020204020204" pitchFamily="34" charset="0"/>
+              </a:rPr>
+              <a:t> </a:t>
+            </a:r>
+            <a:r>
               <a:rPr lang="de-CH" dirty="0" err="1" smtClean="0">
                 <a:solidFill>
                   <a:schemeClr val="bg1"/>
@@ -20024,7 +20460,7 @@
                 </a:solidFill>
                 <a:latin typeface="Corbel" panose="020B0503020204020204" pitchFamily="34" charset="0"/>
               </a:rPr>
-              <a:t>may</a:t>
+              <a:t>executes</a:t>
             </a:r>
             <a:r>
               <a:rPr lang="de-CH" dirty="0" smtClean="0">
@@ -20036,13 +20472,31 @@
               <a:t> </a:t>
             </a:r>
             <a:r>
+              <a:rPr lang="de-CH" b="1" dirty="0" err="1" smtClean="0">
+                <a:solidFill>
+                  <a:schemeClr val="bg1"/>
+                </a:solidFill>
+                <a:latin typeface="Corbel" panose="020B0503020204020204" pitchFamily="34" charset="0"/>
+              </a:rPr>
+              <a:t>everything</a:t>
+            </a:r>
+            <a:endParaRPr lang="de-CH" b="1" dirty="0" smtClean="0">
+              <a:solidFill>
+                <a:schemeClr val="bg1"/>
+              </a:solidFill>
+              <a:latin typeface="Corbel" panose="020B0503020204020204" pitchFamily="34" charset="0"/>
+            </a:endParaRPr>
+          </a:p>
+          <a:p>
+            <a:pPr lvl="1"/>
+            <a:r>
               <a:rPr lang="de-CH" dirty="0" err="1" smtClean="0">
                 <a:solidFill>
                   <a:schemeClr val="bg1"/>
                 </a:solidFill>
                 <a:latin typeface="Corbel" panose="020B0503020204020204" pitchFamily="34" charset="0"/>
               </a:rPr>
-              <a:t>fail</a:t>
+              <a:t>Results</a:t>
             </a:r>
             <a:r>
               <a:rPr lang="de-CH" dirty="0" smtClean="0">
@@ -20051,7 +20505,7 @@
                 </a:solidFill>
                 <a:latin typeface="Corbel" panose="020B0503020204020204" pitchFamily="34" charset="0"/>
               </a:rPr>
-              <a:t>: </a:t>
+              <a:t> </a:t>
             </a:r>
             <a:r>
               <a:rPr lang="de-CH" dirty="0" err="1" smtClean="0">
@@ -20060,7 +20514,7 @@
                 </a:solidFill>
                 <a:latin typeface="Corbel" panose="020B0503020204020204" pitchFamily="34" charset="0"/>
               </a:rPr>
-              <a:t>every</a:t>
+              <a:t>from</a:t>
             </a:r>
             <a:r>
               <a:rPr lang="de-CH" dirty="0" smtClean="0">
@@ -20078,7 +20532,7 @@
                 </a:solidFill>
                 <a:latin typeface="Corbel" panose="020B0503020204020204" pitchFamily="34" charset="0"/>
               </a:rPr>
-              <a:t>node</a:t>
+              <a:t>other</a:t>
             </a:r>
             <a:r>
               <a:rPr lang="de-CH" dirty="0" smtClean="0">
@@ -20096,7 +20550,7 @@
                 </a:solidFill>
                 <a:latin typeface="Corbel" panose="020B0503020204020204" pitchFamily="34" charset="0"/>
               </a:rPr>
-              <a:t>executes</a:t>
+              <a:t>nodes</a:t>
             </a:r>
             <a:r>
               <a:rPr lang="de-CH" dirty="0" smtClean="0">
@@ -20114,7 +20568,378 @@
                 </a:solidFill>
                 <a:latin typeface="Corbel" panose="020B0503020204020204" pitchFamily="34" charset="0"/>
               </a:rPr>
-              <a:t>everything</a:t>
+              <a:t>are</a:t>
+            </a:r>
+            <a:r>
+              <a:rPr lang="de-CH" dirty="0" smtClean="0">
+                <a:solidFill>
+                  <a:schemeClr val="bg1"/>
+                </a:solidFill>
+                <a:latin typeface="Corbel" panose="020B0503020204020204" pitchFamily="34" charset="0"/>
+              </a:rPr>
+              <a:t> a </a:t>
+            </a:r>
+            <a:r>
+              <a:rPr lang="de-CH" b="1" dirty="0" err="1" smtClean="0">
+                <a:solidFill>
+                  <a:schemeClr val="bg1"/>
+                </a:solidFill>
+                <a:latin typeface="Corbel" panose="020B0503020204020204" pitchFamily="34" charset="0"/>
+              </a:rPr>
+              <a:t>nice-to-have</a:t>
+            </a:r>
+            <a:r>
+              <a:rPr lang="de-CH" dirty="0">
+                <a:solidFill>
+                  <a:schemeClr val="bg1"/>
+                </a:solidFill>
+                <a:latin typeface="Corbel" panose="020B0503020204020204" pitchFamily="34" charset="0"/>
+              </a:rPr>
+              <a:t> </a:t>
+            </a:r>
+            <a:r>
+              <a:rPr lang="de-CH" dirty="0" smtClean="0">
+                <a:solidFill>
+                  <a:schemeClr val="bg1"/>
+                </a:solidFill>
+                <a:latin typeface="Corbel" panose="020B0503020204020204" pitchFamily="34" charset="0"/>
+              </a:rPr>
+              <a:t>but </a:t>
+            </a:r>
+            <a:r>
+              <a:rPr lang="de-CH" b="1" dirty="0" smtClean="0">
+                <a:solidFill>
+                  <a:schemeClr val="bg1"/>
+                </a:solidFill>
+                <a:latin typeface="Corbel" panose="020B0503020204020204" pitchFamily="34" charset="0"/>
+              </a:rPr>
+              <a:t>not a must-</a:t>
+            </a:r>
+            <a:r>
+              <a:rPr lang="de-CH" b="1" dirty="0" err="1" smtClean="0">
+                <a:solidFill>
+                  <a:schemeClr val="bg1"/>
+                </a:solidFill>
+                <a:latin typeface="Corbel" panose="020B0503020204020204" pitchFamily="34" charset="0"/>
+              </a:rPr>
+              <a:t>have</a:t>
+            </a:r>
+            <a:r>
+              <a:rPr lang="de-CH" dirty="0" smtClean="0">
+                <a:solidFill>
+                  <a:schemeClr val="bg1"/>
+                </a:solidFill>
+                <a:latin typeface="Corbel" panose="020B0503020204020204" pitchFamily="34" charset="0"/>
+              </a:rPr>
+              <a:t>!</a:t>
+            </a:r>
+            <a:endParaRPr lang="de-CH" dirty="0">
+              <a:solidFill>
+                <a:schemeClr val="bg1"/>
+              </a:solidFill>
+              <a:latin typeface="Corbel" panose="020B0503020204020204" pitchFamily="34" charset="0"/>
+            </a:endParaRPr>
+          </a:p>
+          <a:p>
+            <a:r>
+              <a:rPr lang="de-CH" b="1" dirty="0" smtClean="0">
+                <a:solidFill>
+                  <a:schemeClr val="bg1"/>
+                </a:solidFill>
+                <a:latin typeface="Corbel" panose="020B0503020204020204" pitchFamily="34" charset="0"/>
+              </a:rPr>
+              <a:t>Communication </a:t>
+            </a:r>
+            <a:r>
+              <a:rPr lang="de-CH" b="1" dirty="0" err="1" smtClean="0">
+                <a:solidFill>
+                  <a:schemeClr val="bg1"/>
+                </a:solidFill>
+                <a:latin typeface="Corbel" panose="020B0503020204020204" pitchFamily="34" charset="0"/>
+              </a:rPr>
+              <a:t>Challenges</a:t>
+            </a:r>
+            <a:endParaRPr lang="de-CH" b="1" dirty="0" smtClean="0">
+              <a:solidFill>
+                <a:schemeClr val="bg1"/>
+              </a:solidFill>
+              <a:latin typeface="Corbel" panose="020B0503020204020204" pitchFamily="34" charset="0"/>
+            </a:endParaRPr>
+          </a:p>
+          <a:p>
+            <a:pPr lvl="1"/>
+            <a:r>
+              <a:rPr lang="de-CH" dirty="0" err="1" smtClean="0">
+                <a:solidFill>
+                  <a:schemeClr val="bg1"/>
+                </a:solidFill>
+                <a:latin typeface="Corbel" panose="020B0503020204020204" pitchFamily="34" charset="0"/>
+              </a:rPr>
+              <a:t>Only</a:t>
+            </a:r>
+            <a:r>
+              <a:rPr lang="de-CH" dirty="0" smtClean="0">
+                <a:solidFill>
+                  <a:schemeClr val="bg1"/>
+                </a:solidFill>
+                <a:latin typeface="Corbel" panose="020B0503020204020204" pitchFamily="34" charset="0"/>
+              </a:rPr>
+              <a:t> </a:t>
+            </a:r>
+            <a:r>
+              <a:rPr lang="de-CH" dirty="0" err="1" smtClean="0">
+                <a:solidFill>
+                  <a:schemeClr val="bg1"/>
+                </a:solidFill>
+                <a:latin typeface="Corbel" panose="020B0503020204020204" pitchFamily="34" charset="0"/>
+              </a:rPr>
+              <a:t>inform</a:t>
+            </a:r>
+            <a:r>
+              <a:rPr lang="de-CH" dirty="0" smtClean="0">
+                <a:solidFill>
+                  <a:schemeClr val="bg1"/>
+                </a:solidFill>
+                <a:latin typeface="Corbel" panose="020B0503020204020204" pitchFamily="34" charset="0"/>
+              </a:rPr>
+              <a:t> </a:t>
+            </a:r>
+            <a:r>
+              <a:rPr lang="de-CH" dirty="0" err="1" smtClean="0">
+                <a:solidFill>
+                  <a:schemeClr val="bg1"/>
+                </a:solidFill>
+                <a:latin typeface="Corbel" panose="020B0503020204020204" pitchFamily="34" charset="0"/>
+              </a:rPr>
+              <a:t>other</a:t>
+            </a:r>
+            <a:r>
+              <a:rPr lang="de-CH" dirty="0" smtClean="0">
+                <a:solidFill>
+                  <a:schemeClr val="bg1"/>
+                </a:solidFill>
+                <a:latin typeface="Corbel" panose="020B0503020204020204" pitchFamily="34" charset="0"/>
+              </a:rPr>
+              <a:t> </a:t>
+            </a:r>
+            <a:r>
+              <a:rPr lang="de-CH" dirty="0" err="1" smtClean="0">
+                <a:solidFill>
+                  <a:schemeClr val="bg1"/>
+                </a:solidFill>
+                <a:latin typeface="Corbel" panose="020B0503020204020204" pitchFamily="34" charset="0"/>
+              </a:rPr>
+              <a:t>nodes</a:t>
+            </a:r>
+            <a:r>
+              <a:rPr lang="de-CH" dirty="0" smtClean="0">
+                <a:solidFill>
+                  <a:schemeClr val="bg1"/>
+                </a:solidFill>
+                <a:latin typeface="Corbel" panose="020B0503020204020204" pitchFamily="34" charset="0"/>
+              </a:rPr>
+              <a:t> </a:t>
+            </a:r>
+            <a:r>
+              <a:rPr lang="de-CH" dirty="0" err="1" smtClean="0">
+                <a:solidFill>
+                  <a:schemeClr val="bg1"/>
+                </a:solidFill>
+                <a:latin typeface="Corbel" panose="020B0503020204020204" pitchFamily="34" charset="0"/>
+              </a:rPr>
+              <a:t>about</a:t>
+            </a:r>
+            <a:r>
+              <a:rPr lang="de-CH" dirty="0" smtClean="0">
+                <a:solidFill>
+                  <a:schemeClr val="bg1"/>
+                </a:solidFill>
+                <a:latin typeface="Corbel" panose="020B0503020204020204" pitchFamily="34" charset="0"/>
+              </a:rPr>
+              <a:t> </a:t>
+            </a:r>
+            <a:r>
+              <a:rPr lang="de-CH" b="1" dirty="0" err="1" smtClean="0">
+                <a:solidFill>
+                  <a:schemeClr val="bg1"/>
+                </a:solidFill>
+                <a:latin typeface="Corbel" panose="020B0503020204020204" pitchFamily="34" charset="0"/>
+              </a:rPr>
+              <a:t>completed</a:t>
+            </a:r>
+            <a:r>
+              <a:rPr lang="de-CH" b="1" dirty="0" smtClean="0">
+                <a:solidFill>
+                  <a:schemeClr val="bg1"/>
+                </a:solidFill>
+                <a:latin typeface="Corbel" panose="020B0503020204020204" pitchFamily="34" charset="0"/>
+              </a:rPr>
+              <a:t> </a:t>
+            </a:r>
+            <a:r>
+              <a:rPr lang="de-CH" dirty="0" err="1" smtClean="0">
+                <a:solidFill>
+                  <a:schemeClr val="bg1"/>
+                </a:solidFill>
+                <a:latin typeface="Corbel" panose="020B0503020204020204" pitchFamily="34" charset="0"/>
+              </a:rPr>
+              <a:t>executions</a:t>
+            </a:r>
+            <a:r>
+              <a:rPr lang="de-CH" dirty="0" smtClean="0">
+                <a:solidFill>
+                  <a:schemeClr val="bg1"/>
+                </a:solidFill>
+                <a:latin typeface="Corbel" panose="020B0503020204020204" pitchFamily="34" charset="0"/>
+              </a:rPr>
+              <a:t> (</a:t>
+            </a:r>
+            <a:r>
+              <a:rPr lang="de-CH" b="1" dirty="0" smtClean="0">
+                <a:solidFill>
+                  <a:schemeClr val="bg1"/>
+                </a:solidFill>
+                <a:latin typeface="Corbel" panose="020B0503020204020204" pitchFamily="34" charset="0"/>
+              </a:rPr>
+              <a:t>not in-progress/</a:t>
+            </a:r>
+            <a:r>
+              <a:rPr lang="de-CH" b="1" dirty="0" err="1" smtClean="0">
+                <a:solidFill>
+                  <a:schemeClr val="bg1"/>
+                </a:solidFill>
+                <a:latin typeface="Corbel" panose="020B0503020204020204" pitchFamily="34" charset="0"/>
+              </a:rPr>
+              <a:t>failed</a:t>
+            </a:r>
+            <a:r>
+              <a:rPr lang="de-CH" dirty="0" smtClean="0">
+                <a:solidFill>
+                  <a:schemeClr val="bg1"/>
+                </a:solidFill>
+                <a:latin typeface="Corbel" panose="020B0503020204020204" pitchFamily="34" charset="0"/>
+              </a:rPr>
+              <a:t>)</a:t>
+            </a:r>
+          </a:p>
+          <a:p>
+            <a:pPr lvl="1"/>
+            <a:r>
+              <a:rPr lang="de-CH" dirty="0" err="1" smtClean="0">
+                <a:solidFill>
+                  <a:schemeClr val="bg1"/>
+                </a:solidFill>
+                <a:latin typeface="Corbel" panose="020B0503020204020204" pitchFamily="34" charset="0"/>
+              </a:rPr>
+              <a:t>Use</a:t>
+            </a:r>
+            <a:r>
+              <a:rPr lang="de-CH" dirty="0" smtClean="0">
+                <a:solidFill>
+                  <a:schemeClr val="bg1"/>
+                </a:solidFill>
+                <a:latin typeface="Corbel" panose="020B0503020204020204" pitchFamily="34" charset="0"/>
+              </a:rPr>
+              <a:t> </a:t>
+            </a:r>
+            <a:r>
+              <a:rPr lang="de-CH" b="1" dirty="0" err="1" smtClean="0">
+                <a:solidFill>
+                  <a:schemeClr val="bg1"/>
+                </a:solidFill>
+                <a:latin typeface="Corbel" panose="020B0503020204020204" pitchFamily="34" charset="0"/>
+              </a:rPr>
+              <a:t>broadcasts</a:t>
+            </a:r>
+            <a:r>
+              <a:rPr lang="de-CH" dirty="0" smtClean="0">
+                <a:solidFill>
+                  <a:schemeClr val="bg1"/>
+                </a:solidFill>
+                <a:latin typeface="Corbel" panose="020B0503020204020204" pitchFamily="34" charset="0"/>
+              </a:rPr>
+              <a:t> </a:t>
+            </a:r>
+            <a:r>
+              <a:rPr lang="de-CH" dirty="0" err="1" smtClean="0">
+                <a:solidFill>
+                  <a:schemeClr val="bg1"/>
+                </a:solidFill>
+                <a:latin typeface="Corbel" panose="020B0503020204020204" pitchFamily="34" charset="0"/>
+              </a:rPr>
+              <a:t>for</a:t>
+            </a:r>
+            <a:r>
+              <a:rPr lang="de-CH" dirty="0" smtClean="0">
+                <a:solidFill>
+                  <a:schemeClr val="bg1"/>
+                </a:solidFill>
+                <a:latin typeface="Corbel" panose="020B0503020204020204" pitchFamily="34" charset="0"/>
+              </a:rPr>
+              <a:t> </a:t>
+            </a:r>
+            <a:r>
+              <a:rPr lang="de-CH" dirty="0" err="1" smtClean="0">
+                <a:solidFill>
+                  <a:schemeClr val="bg1"/>
+                </a:solidFill>
+                <a:latin typeface="Corbel" panose="020B0503020204020204" pitchFamily="34" charset="0"/>
+              </a:rPr>
+              <a:t>loose</a:t>
+            </a:r>
+            <a:r>
+              <a:rPr lang="de-CH" dirty="0" smtClean="0">
+                <a:solidFill>
+                  <a:schemeClr val="bg1"/>
+                </a:solidFill>
+                <a:latin typeface="Corbel" panose="020B0503020204020204" pitchFamily="34" charset="0"/>
+              </a:rPr>
+              <a:t> </a:t>
+            </a:r>
+            <a:r>
+              <a:rPr lang="de-CH" dirty="0" err="1" smtClean="0">
+                <a:solidFill>
+                  <a:schemeClr val="bg1"/>
+                </a:solidFill>
+                <a:latin typeface="Corbel" panose="020B0503020204020204" pitchFamily="34" charset="0"/>
+              </a:rPr>
+              <a:t>coupling</a:t>
+            </a:r>
+            <a:r>
+              <a:rPr lang="de-CH" dirty="0" smtClean="0">
+                <a:solidFill>
+                  <a:schemeClr val="bg1"/>
+                </a:solidFill>
+                <a:latin typeface="Corbel" panose="020B0503020204020204" pitchFamily="34" charset="0"/>
+              </a:rPr>
+              <a:t> </a:t>
+            </a:r>
+            <a:r>
+              <a:rPr lang="de-CH" dirty="0" err="1" smtClean="0">
+                <a:solidFill>
+                  <a:schemeClr val="bg1"/>
+                </a:solidFill>
+                <a:latin typeface="Corbel" panose="020B0503020204020204" pitchFamily="34" charset="0"/>
+              </a:rPr>
+              <a:t>between</a:t>
+            </a:r>
+            <a:r>
+              <a:rPr lang="de-CH" dirty="0" smtClean="0">
+                <a:solidFill>
+                  <a:schemeClr val="bg1"/>
+                </a:solidFill>
+                <a:latin typeface="Corbel" panose="020B0503020204020204" pitchFamily="34" charset="0"/>
+              </a:rPr>
+              <a:t> </a:t>
+            </a:r>
+            <a:r>
+              <a:rPr lang="de-CH" dirty="0" err="1" smtClean="0">
+                <a:solidFill>
+                  <a:schemeClr val="bg1"/>
+                </a:solidFill>
+                <a:latin typeface="Corbel" panose="020B0503020204020204" pitchFamily="34" charset="0"/>
+              </a:rPr>
+              <a:t>nodes</a:t>
             </a:r>
             <a:endParaRPr lang="de-CH" dirty="0" smtClean="0">
               <a:solidFill>
@@ -20124,150 +20949,6 @@
             </a:endParaRPr>
           </a:p>
           <a:p>
-            <a:pPr lvl="1"/>
-            <a:r>
-              <a:rPr lang="de-CH" dirty="0" err="1" smtClean="0">
-                <a:solidFill>
-                  <a:schemeClr val="bg1"/>
-                </a:solidFill>
-                <a:latin typeface="Corbel" panose="020B0503020204020204" pitchFamily="34" charset="0"/>
-              </a:rPr>
-              <a:t>Results</a:t>
-            </a:r>
-            <a:r>
-              <a:rPr lang="de-CH" dirty="0" smtClean="0">
-                <a:solidFill>
-                  <a:schemeClr val="bg1"/>
-                </a:solidFill>
-                <a:latin typeface="Corbel" panose="020B0503020204020204" pitchFamily="34" charset="0"/>
-              </a:rPr>
-              <a:t> </a:t>
-            </a:r>
-            <a:r>
-              <a:rPr lang="de-CH" dirty="0" err="1" smtClean="0">
-                <a:solidFill>
-                  <a:schemeClr val="bg1"/>
-                </a:solidFill>
-                <a:latin typeface="Corbel" panose="020B0503020204020204" pitchFamily="34" charset="0"/>
-              </a:rPr>
-              <a:t>from</a:t>
-            </a:r>
-            <a:r>
-              <a:rPr lang="de-CH" dirty="0" smtClean="0">
-                <a:solidFill>
-                  <a:schemeClr val="bg1"/>
-                </a:solidFill>
-                <a:latin typeface="Corbel" panose="020B0503020204020204" pitchFamily="34" charset="0"/>
-              </a:rPr>
-              <a:t> </a:t>
-            </a:r>
-            <a:r>
-              <a:rPr lang="de-CH" dirty="0" err="1" smtClean="0">
-                <a:solidFill>
-                  <a:schemeClr val="bg1"/>
-                </a:solidFill>
-                <a:latin typeface="Corbel" panose="020B0503020204020204" pitchFamily="34" charset="0"/>
-              </a:rPr>
-              <a:t>other</a:t>
-            </a:r>
-            <a:r>
-              <a:rPr lang="de-CH" dirty="0" smtClean="0">
-                <a:solidFill>
-                  <a:schemeClr val="bg1"/>
-                </a:solidFill>
-                <a:latin typeface="Corbel" panose="020B0503020204020204" pitchFamily="34" charset="0"/>
-              </a:rPr>
-              <a:t> </a:t>
-            </a:r>
-            <a:r>
-              <a:rPr lang="de-CH" dirty="0" err="1" smtClean="0">
-                <a:solidFill>
-                  <a:schemeClr val="bg1"/>
-                </a:solidFill>
-                <a:latin typeface="Corbel" panose="020B0503020204020204" pitchFamily="34" charset="0"/>
-              </a:rPr>
-              <a:t>nodes</a:t>
-            </a:r>
-            <a:r>
-              <a:rPr lang="de-CH" dirty="0" smtClean="0">
-                <a:solidFill>
-                  <a:schemeClr val="bg1"/>
-                </a:solidFill>
-                <a:latin typeface="Corbel" panose="020B0503020204020204" pitchFamily="34" charset="0"/>
-              </a:rPr>
-              <a:t> </a:t>
-            </a:r>
-            <a:r>
-              <a:rPr lang="de-CH" dirty="0" err="1" smtClean="0">
-                <a:solidFill>
-                  <a:schemeClr val="bg1"/>
-                </a:solidFill>
-                <a:latin typeface="Corbel" panose="020B0503020204020204" pitchFamily="34" charset="0"/>
-              </a:rPr>
-              <a:t>are</a:t>
-            </a:r>
-            <a:r>
-              <a:rPr lang="de-CH" dirty="0" smtClean="0">
-                <a:solidFill>
-                  <a:schemeClr val="bg1"/>
-                </a:solidFill>
-                <a:latin typeface="Corbel" panose="020B0503020204020204" pitchFamily="34" charset="0"/>
-              </a:rPr>
-              <a:t> a </a:t>
-            </a:r>
-            <a:r>
-              <a:rPr lang="de-CH" dirty="0" err="1" smtClean="0">
-                <a:solidFill>
-                  <a:schemeClr val="bg1"/>
-                </a:solidFill>
-                <a:latin typeface="Corbel" panose="020B0503020204020204" pitchFamily="34" charset="0"/>
-              </a:rPr>
-              <a:t>nice-to-have</a:t>
-            </a:r>
-            <a:r>
-              <a:rPr lang="de-CH" dirty="0">
-                <a:solidFill>
-                  <a:schemeClr val="bg1"/>
-                </a:solidFill>
-                <a:latin typeface="Corbel" panose="020B0503020204020204" pitchFamily="34" charset="0"/>
-              </a:rPr>
-              <a:t> </a:t>
-            </a:r>
-            <a:r>
-              <a:rPr lang="de-CH" dirty="0" smtClean="0">
-                <a:solidFill>
-                  <a:schemeClr val="bg1"/>
-                </a:solidFill>
-                <a:latin typeface="Corbel" panose="020B0503020204020204" pitchFamily="34" charset="0"/>
-              </a:rPr>
-              <a:t>but not a must-</a:t>
-            </a:r>
-            <a:r>
-              <a:rPr lang="de-CH" dirty="0" err="1" smtClean="0">
-                <a:solidFill>
-                  <a:schemeClr val="bg1"/>
-                </a:solidFill>
-                <a:latin typeface="Corbel" panose="020B0503020204020204" pitchFamily="34" charset="0"/>
-              </a:rPr>
-              <a:t>have</a:t>
-            </a:r>
-            <a:r>
-              <a:rPr lang="de-CH" dirty="0" smtClean="0">
-                <a:solidFill>
-                  <a:schemeClr val="bg1"/>
-                </a:solidFill>
-                <a:latin typeface="Corbel" panose="020B0503020204020204" pitchFamily="34" charset="0"/>
-              </a:rPr>
-              <a:t>!</a:t>
-            </a:r>
-            <a:endParaRPr lang="de-CH" dirty="0">
-              <a:solidFill>
-                <a:schemeClr val="bg1"/>
-              </a:solidFill>
-              <a:latin typeface="Corbel" panose="020B0503020204020204" pitchFamily="34" charset="0"/>
-            </a:endParaRPr>
-          </a:p>
-          <a:p>
             <a:r>
               <a:rPr lang="de-CH" b="1" dirty="0" smtClean="0">
                 <a:solidFill>
@@ -20275,7 +20956,7 @@
                 </a:solidFill>
                 <a:latin typeface="Corbel" panose="020B0503020204020204" pitchFamily="34" charset="0"/>
               </a:rPr>
-              <a:t>Communication </a:t>
+              <a:t>Data Storage </a:t>
             </a:r>
             <a:r>
               <a:rPr lang="de-CH" b="1" dirty="0" err="1" smtClean="0">
@@ -20302,7 +20983,7 @@
                 </a:solidFill>
                 <a:latin typeface="Corbel" panose="020B0503020204020204" pitchFamily="34" charset="0"/>
               </a:rPr>
-              <a:t>Only</a:t>
+              <a:t>Distinguish</a:t>
             </a:r>
             <a:r>
               <a:rPr lang="de-CH" dirty="0" smtClean="0">
@@ -20311,6 +20992,24 @@
                 </a:solidFill>
                 <a:latin typeface="Corbel" panose="020B0503020204020204" pitchFamily="34" charset="0"/>
               </a:rPr>
+              <a:t> different </a:t>
+            </a:r>
+            <a:r>
+              <a:rPr lang="de-CH" dirty="0" err="1" smtClean="0">
+                <a:solidFill>
+                  <a:schemeClr val="bg1"/>
+                </a:solidFill>
+                <a:latin typeface="Corbel" panose="020B0503020204020204" pitchFamily="34" charset="0"/>
+              </a:rPr>
+              <a:t>result</a:t>
+            </a:r>
+            <a:r>
+              <a:rPr lang="de-CH" dirty="0" smtClean="0">
+                <a:solidFill>
+                  <a:schemeClr val="bg1"/>
+                </a:solidFill>
+                <a:latin typeface="Corbel" panose="020B0503020204020204" pitchFamily="34" charset="0"/>
+              </a:rPr>
               <a:t> </a:t>
             </a:r>
             <a:r>
@@ -20320,7 +21019,7 @@
                 </a:solidFill>
                 <a:latin typeface="Corbel" panose="020B0503020204020204" pitchFamily="34" charset="0"/>
               </a:rPr>
-              <a:t>inform</a:t>
+              <a:t>sets</a:t>
             </a:r>
             <a:r>
               <a:rPr lang="de-CH" dirty="0" smtClean="0">
@@ -20338,7 +21037,7 @@
                 </a:solidFill>
                 <a:latin typeface="Corbel" panose="020B0503020204020204" pitchFamily="34" charset="0"/>
               </a:rPr>
-              <a:t>other</a:t>
+              <a:t>by</a:t>
             </a:r>
             <a:r>
               <a:rPr lang="de-CH" dirty="0" smtClean="0">
@@ -20356,7 +21055,7 @@
                 </a:solidFill>
                 <a:latin typeface="Corbel" panose="020B0503020204020204" pitchFamily="34" charset="0"/>
               </a:rPr>
-              <a:t>nodes</a:t>
+              <a:t>storing</a:t>
             </a:r>
             <a:r>
               <a:rPr lang="de-CH" dirty="0" smtClean="0">
@@ -20374,7 +21073,7 @@
                 </a:solidFill>
                 <a:latin typeface="Corbel" panose="020B0503020204020204" pitchFamily="34" charset="0"/>
               </a:rPr>
-              <a:t>about</a:t>
+              <a:t>each</a:t>
             </a:r>
             <a:r>
               <a:rPr lang="de-CH" dirty="0" smtClean="0">
@@ -20392,7 +21091,7 @@
                 </a:solidFill>
                 <a:latin typeface="Corbel" panose="020B0503020204020204" pitchFamily="34" charset="0"/>
               </a:rPr>
-              <a:t>completed</a:t>
+              <a:t>node’s</a:t>
             </a:r>
             <a:r>
               <a:rPr lang="de-CH" dirty="0" smtClean="0">
@@ -20410,7 +21109,115 @@
                 </a:solidFill>
                 <a:latin typeface="Corbel" panose="020B0503020204020204" pitchFamily="34" charset="0"/>
               </a:rPr>
-              <a:t>executions</a:t>
+              <a:t>results</a:t>
+            </a:r>
+            <a:r>
+              <a:rPr lang="de-CH" dirty="0" smtClean="0">
+                <a:solidFill>
+                  <a:schemeClr val="bg1"/>
+                </a:solidFill>
+                <a:latin typeface="Corbel" panose="020B0503020204020204" pitchFamily="34" charset="0"/>
+              </a:rPr>
+              <a:t> </a:t>
+            </a:r>
+            <a:r>
+              <a:rPr lang="de-CH" dirty="0" err="1" smtClean="0">
+                <a:solidFill>
+                  <a:schemeClr val="bg1"/>
+                </a:solidFill>
+                <a:latin typeface="Corbel" panose="020B0503020204020204" pitchFamily="34" charset="0"/>
+              </a:rPr>
+              <a:t>into</a:t>
+            </a:r>
+            <a:r>
+              <a:rPr lang="de-CH" dirty="0" smtClean="0">
+                <a:solidFill>
+                  <a:schemeClr val="bg1"/>
+                </a:solidFill>
+                <a:latin typeface="Corbel" panose="020B0503020204020204" pitchFamily="34" charset="0"/>
+              </a:rPr>
+              <a:t> a </a:t>
+            </a:r>
+            <a:r>
+              <a:rPr lang="de-CH" b="1" dirty="0" smtClean="0">
+                <a:solidFill>
+                  <a:schemeClr val="bg1"/>
+                </a:solidFill>
+                <a:latin typeface="Corbel" panose="020B0503020204020204" pitchFamily="34" charset="0"/>
+              </a:rPr>
+              <a:t>separate </a:t>
+            </a:r>
+            <a:r>
+              <a:rPr lang="de-CH" b="1" dirty="0" err="1" smtClean="0">
+                <a:solidFill>
+                  <a:schemeClr val="bg1"/>
+                </a:solidFill>
+                <a:latin typeface="Corbel" panose="020B0503020204020204" pitchFamily="34" charset="0"/>
+              </a:rPr>
+              <a:t>part</a:t>
+            </a:r>
+            <a:r>
+              <a:rPr lang="de-CH" b="1" dirty="0" smtClean="0">
+                <a:solidFill>
+                  <a:schemeClr val="bg1"/>
+                </a:solidFill>
+                <a:latin typeface="Corbel" panose="020B0503020204020204" pitchFamily="34" charset="0"/>
+              </a:rPr>
+              <a:t> </a:t>
+            </a:r>
+            <a:r>
+              <a:rPr lang="de-CH" dirty="0" err="1" smtClean="0">
+                <a:solidFill>
+                  <a:schemeClr val="bg1"/>
+                </a:solidFill>
+                <a:latin typeface="Corbel" panose="020B0503020204020204" pitchFamily="34" charset="0"/>
+              </a:rPr>
+              <a:t>of</a:t>
+            </a:r>
+            <a:r>
+              <a:rPr lang="de-CH" dirty="0" smtClean="0">
+                <a:solidFill>
+                  <a:schemeClr val="bg1"/>
+                </a:solidFill>
+                <a:latin typeface="Corbel" panose="020B0503020204020204" pitchFamily="34" charset="0"/>
+              </a:rPr>
+              <a:t> </a:t>
+            </a:r>
+            <a:r>
+              <a:rPr lang="de-CH" dirty="0" err="1" smtClean="0">
+                <a:solidFill>
+                  <a:schemeClr val="bg1"/>
+                </a:solidFill>
+                <a:latin typeface="Corbel" panose="020B0503020204020204" pitchFamily="34" charset="0"/>
+              </a:rPr>
+              <a:t>the</a:t>
+            </a:r>
+            <a:r>
+              <a:rPr lang="de-CH" dirty="0" smtClean="0">
+                <a:solidFill>
+                  <a:schemeClr val="bg1"/>
+                </a:solidFill>
+                <a:latin typeface="Corbel" panose="020B0503020204020204" pitchFamily="34" charset="0"/>
+              </a:rPr>
+              <a:t> DHT (</a:t>
+            </a:r>
+            <a:r>
+              <a:rPr lang="de-CH" dirty="0" err="1" smtClean="0">
+                <a:solidFill>
+                  <a:schemeClr val="bg1"/>
+                </a:solidFill>
+                <a:latin typeface="Corbel" panose="020B0503020204020204" pitchFamily="34" charset="0"/>
+              </a:rPr>
+              <a:t>domain</a:t>
+            </a:r>
+            <a:r>
+              <a:rPr lang="de-CH" dirty="0">
+                <a:solidFill>
+                  <a:schemeClr val="bg1"/>
+                </a:solidFill>
+                <a:latin typeface="Corbel" panose="020B0503020204020204" pitchFamily="34" charset="0"/>
+              </a:rPr>
+              <a:t>)</a:t>
             </a:r>
             <a:endParaRPr lang="de-CH" dirty="0" smtClean="0">
               <a:solidFill>
@@ -20422,13 +21229,67 @@
           <a:p>
             <a:pPr lvl="1"/>
             <a:r>
+              <a:rPr lang="de-CH" dirty="0" err="1" smtClean="0">
+                <a:solidFill>
+                  <a:schemeClr val="bg1"/>
+                </a:solidFill>
+                <a:latin typeface="Corbel" panose="020B0503020204020204" pitchFamily="34" charset="0"/>
+              </a:rPr>
+              <a:t>Only</a:t>
+            </a:r>
+            <a:r>
               <a:rPr lang="de-CH" dirty="0" smtClean="0">
                 <a:solidFill>
                   <a:schemeClr val="bg1"/>
                 </a:solidFill>
                 <a:latin typeface="Corbel" panose="020B0503020204020204" pitchFamily="34" charset="0"/>
               </a:rPr>
-              <a:t>Do not </a:t>
+              <a:t> send </a:t>
+            </a:r>
+            <a:r>
+              <a:rPr lang="de-CH" b="1" dirty="0" err="1" smtClean="0">
+                <a:solidFill>
+                  <a:schemeClr val="bg1"/>
+                </a:solidFill>
+                <a:latin typeface="Corbel" panose="020B0503020204020204" pitchFamily="34" charset="0"/>
+              </a:rPr>
+              <a:t>data</a:t>
+            </a:r>
+            <a:r>
+              <a:rPr lang="de-CH" b="1" dirty="0" smtClean="0">
+                <a:solidFill>
+                  <a:schemeClr val="bg1"/>
+                </a:solidFill>
+                <a:latin typeface="Corbel" panose="020B0503020204020204" pitchFamily="34" charset="0"/>
+              </a:rPr>
+              <a:t> </a:t>
+            </a:r>
+            <a:r>
+              <a:rPr lang="de-CH" b="1" dirty="0" err="1" smtClean="0">
+                <a:solidFill>
+                  <a:schemeClr val="bg1"/>
+                </a:solidFill>
+                <a:latin typeface="Corbel" panose="020B0503020204020204" pitchFamily="34" charset="0"/>
+              </a:rPr>
+              <a:t>locations</a:t>
+            </a:r>
+            <a:r>
+              <a:rPr lang="de-CH" b="1" dirty="0" smtClean="0">
+                <a:solidFill>
+                  <a:schemeClr val="bg1"/>
+                </a:solidFill>
+                <a:latin typeface="Corbel" panose="020B0503020204020204" pitchFamily="34" charset="0"/>
+              </a:rPr>
+              <a:t> </a:t>
+            </a:r>
+            <a:r>
+              <a:rPr lang="de-CH" dirty="0" smtClean="0">
+                <a:solidFill>
+                  <a:schemeClr val="bg1"/>
+                </a:solidFill>
+                <a:latin typeface="Corbel" panose="020B0503020204020204" pitchFamily="34" charset="0"/>
+              </a:rPr>
+              <a:t>via </a:t>
             </a:r>
             <a:r>
               <a:rPr lang="de-CH" dirty="0" err="1" smtClean="0">
@@ -20437,7 +21298,7 @@
                 </a:solidFill>
                 <a:latin typeface="Corbel" panose="020B0503020204020204" pitchFamily="34" charset="0"/>
               </a:rPr>
-              <a:t>inform</a:t>
+              <a:t>broadcasts</a:t>
             </a:r>
             <a:r>
               <a:rPr lang="de-CH" dirty="0" smtClean="0">
@@ -20446,19 +21307,37 @@
                 </a:solidFill>
                 <a:latin typeface="Corbel" panose="020B0503020204020204" pitchFamily="34" charset="0"/>
               </a:rPr>
+              <a:t>, </a:t>
+            </a:r>
+            <a:r>
+              <a:rPr lang="de-CH" b="1" dirty="0" err="1" smtClean="0">
+                <a:solidFill>
+                  <a:schemeClr val="bg1"/>
+                </a:solidFill>
+                <a:latin typeface="Corbel" panose="020B0503020204020204" pitchFamily="34" charset="0"/>
+              </a:rPr>
+              <a:t>no</a:t>
+            </a:r>
+            <a:r>
+              <a:rPr lang="de-CH" b="1" dirty="0" smtClean="0">
+                <a:solidFill>
+                  <a:schemeClr val="bg1"/>
+                </a:solidFill>
+                <a:latin typeface="Corbel" panose="020B0503020204020204" pitchFamily="34" charset="0"/>
+              </a:rPr>
               <a:t> </a:t>
             </a:r>
             <a:r>
-              <a:rPr lang="de-CH" dirty="0" err="1" smtClean="0">
-                <a:solidFill>
-                  <a:schemeClr val="bg1"/>
-                </a:solidFill>
-                <a:latin typeface="Corbel" panose="020B0503020204020204" pitchFamily="34" charset="0"/>
-              </a:rPr>
-              <a:t>nodes</a:t>
-            </a:r>
-            <a:r>
-              <a:rPr lang="de-CH" dirty="0" smtClean="0">
+              <a:rPr lang="de-CH" b="1" dirty="0" err="1" smtClean="0">
+                <a:solidFill>
+                  <a:schemeClr val="bg1"/>
+                </a:solidFill>
+                <a:latin typeface="Corbel" panose="020B0503020204020204" pitchFamily="34" charset="0"/>
+              </a:rPr>
+              <a:t>actual</a:t>
+            </a:r>
+            <a:r>
+              <a:rPr lang="de-CH" b="1" dirty="0" smtClean="0">
                 <a:solidFill>
                   <a:schemeClr val="bg1"/>
                 </a:solidFill>
@@ -20467,662 +21346,15 @@
               <a:t> </a:t>
             </a:r>
             <a:r>
-              <a:rPr lang="de-CH" dirty="0" err="1" smtClean="0">
-                <a:solidFill>
-                  <a:schemeClr val="bg1"/>
-                </a:solidFill>
-                <a:latin typeface="Corbel" panose="020B0503020204020204" pitchFamily="34" charset="0"/>
-              </a:rPr>
-              <a:t>about</a:t>
-            </a:r>
-            <a:r>
-              <a:rPr lang="de-CH" dirty="0" smtClean="0">
-                <a:solidFill>
-                  <a:schemeClr val="bg1"/>
-                </a:solidFill>
-                <a:latin typeface="Corbel" panose="020B0503020204020204" pitchFamily="34" charset="0"/>
-              </a:rPr>
-              <a:t> </a:t>
-            </a:r>
-            <a:r>
-              <a:rPr lang="de-CH" dirty="0" err="1" smtClean="0">
-                <a:solidFill>
-                  <a:schemeClr val="bg1"/>
-                </a:solidFill>
-                <a:latin typeface="Corbel" panose="020B0503020204020204" pitchFamily="34" charset="0"/>
-              </a:rPr>
-              <a:t>executions</a:t>
-            </a:r>
-            <a:r>
-              <a:rPr lang="de-CH" dirty="0" smtClean="0">
-                <a:solidFill>
-                  <a:schemeClr val="bg1"/>
-                </a:solidFill>
-                <a:latin typeface="Corbel" panose="020B0503020204020204" pitchFamily="34" charset="0"/>
-              </a:rPr>
-              <a:t> in </a:t>
-            </a:r>
-            <a:r>
-              <a:rPr lang="de-CH" dirty="0" err="1" smtClean="0">
-                <a:solidFill>
-                  <a:schemeClr val="bg1"/>
-                </a:solidFill>
-                <a:latin typeface="Corbel" panose="020B0503020204020204" pitchFamily="34" charset="0"/>
-              </a:rPr>
-              <a:t>progress</a:t>
-            </a:r>
-            <a:r>
-              <a:rPr lang="de-CH" dirty="0" smtClean="0">
-                <a:solidFill>
-                  <a:schemeClr val="bg1"/>
-                </a:solidFill>
-                <a:latin typeface="Corbel" panose="020B0503020204020204" pitchFamily="34" charset="0"/>
-              </a:rPr>
-              <a:t> </a:t>
-            </a:r>
-            <a:r>
-              <a:rPr lang="de-CH" dirty="0" err="1" smtClean="0">
-                <a:solidFill>
-                  <a:schemeClr val="bg1"/>
-                </a:solidFill>
-                <a:latin typeface="Corbel" panose="020B0503020204020204" pitchFamily="34" charset="0"/>
-              </a:rPr>
-              <a:t>or</a:t>
-            </a:r>
-            <a:r>
-              <a:rPr lang="de-CH" dirty="0" smtClean="0">
-                <a:solidFill>
-                  <a:schemeClr val="bg1"/>
-                </a:solidFill>
-                <a:latin typeface="Corbel" panose="020B0503020204020204" pitchFamily="34" charset="0"/>
-              </a:rPr>
-              <a:t> </a:t>
-            </a:r>
-            <a:r>
-              <a:rPr lang="de-CH" dirty="0" err="1" smtClean="0">
-                <a:solidFill>
-                  <a:schemeClr val="bg1"/>
-                </a:solidFill>
-                <a:latin typeface="Corbel" panose="020B0503020204020204" pitchFamily="34" charset="0"/>
-              </a:rPr>
-              <a:t>failed</a:t>
-            </a:r>
-            <a:r>
-              <a:rPr lang="de-CH" dirty="0" smtClean="0">
-                <a:solidFill>
-                  <a:schemeClr val="bg1"/>
-                </a:solidFill>
-                <a:latin typeface="Corbel" panose="020B0503020204020204" pitchFamily="34" charset="0"/>
-              </a:rPr>
-              <a:t> </a:t>
-            </a:r>
-            <a:r>
-              <a:rPr lang="de-CH" dirty="0" err="1" smtClean="0">
-                <a:solidFill>
-                  <a:schemeClr val="bg1"/>
-                </a:solidFill>
-                <a:latin typeface="Corbel" panose="020B0503020204020204" pitchFamily="34" charset="0"/>
-              </a:rPr>
-              <a:t>ones</a:t>
-            </a:r>
-            <a:endParaRPr lang="de-CH" dirty="0" smtClean="0">
-              <a:solidFill>
-                <a:schemeClr val="bg1"/>
-              </a:solidFill>
-              <a:latin typeface="Corbel" panose="020B0503020204020204" pitchFamily="34" charset="0"/>
-            </a:endParaRPr>
-          </a:p>
-          <a:p>
-            <a:pPr lvl="1"/>
-            <a:r>
-              <a:rPr lang="de-CH" dirty="0" err="1" smtClean="0">
-                <a:solidFill>
-                  <a:schemeClr val="bg1"/>
-                </a:solidFill>
-                <a:latin typeface="Corbel" panose="020B0503020204020204" pitchFamily="34" charset="0"/>
-              </a:rPr>
-              <a:t>Use</a:t>
-            </a:r>
-            <a:r>
-              <a:rPr lang="de-CH" dirty="0" smtClean="0">
-                <a:solidFill>
-                  <a:schemeClr val="bg1"/>
-                </a:solidFill>
-                <a:latin typeface="Corbel" panose="020B0503020204020204" pitchFamily="34" charset="0"/>
-              </a:rPr>
-              <a:t> </a:t>
-            </a:r>
-            <a:r>
-              <a:rPr lang="de-CH" dirty="0" err="1" smtClean="0">
-                <a:solidFill>
-                  <a:schemeClr val="bg1"/>
-                </a:solidFill>
-                <a:latin typeface="Corbel" panose="020B0503020204020204" pitchFamily="34" charset="0"/>
-              </a:rPr>
-              <a:t>broadcasts</a:t>
-            </a:r>
-            <a:r>
-              <a:rPr lang="de-CH" dirty="0" smtClean="0">
-                <a:solidFill>
-                  <a:schemeClr val="bg1"/>
-                </a:solidFill>
-                <a:latin typeface="Corbel" panose="020B0503020204020204" pitchFamily="34" charset="0"/>
-              </a:rPr>
-              <a:t> </a:t>
-            </a:r>
-            <a:r>
-              <a:rPr lang="de-CH" dirty="0" err="1" smtClean="0">
-                <a:solidFill>
-                  <a:schemeClr val="bg1"/>
-                </a:solidFill>
-                <a:latin typeface="Corbel" panose="020B0503020204020204" pitchFamily="34" charset="0"/>
-              </a:rPr>
-              <a:t>for</a:t>
-            </a:r>
-            <a:r>
-              <a:rPr lang="de-CH" dirty="0" smtClean="0">
-                <a:solidFill>
-                  <a:schemeClr val="bg1"/>
-                </a:solidFill>
-                <a:latin typeface="Corbel" panose="020B0503020204020204" pitchFamily="34" charset="0"/>
-              </a:rPr>
-              <a:t> </a:t>
-            </a:r>
-            <a:r>
-              <a:rPr lang="de-CH" dirty="0" err="1" smtClean="0">
-                <a:solidFill>
-                  <a:schemeClr val="bg1"/>
-                </a:solidFill>
-                <a:latin typeface="Corbel" panose="020B0503020204020204" pitchFamily="34" charset="0"/>
-              </a:rPr>
-              <a:t>loose</a:t>
-            </a:r>
-            <a:r>
-              <a:rPr lang="de-CH" dirty="0" smtClean="0">
-                <a:solidFill>
-                  <a:schemeClr val="bg1"/>
-                </a:solidFill>
-                <a:latin typeface="Corbel" panose="020B0503020204020204" pitchFamily="34" charset="0"/>
-              </a:rPr>
-              <a:t> </a:t>
-            </a:r>
-            <a:r>
-              <a:rPr lang="de-CH" dirty="0" err="1" smtClean="0">
-                <a:solidFill>
-                  <a:schemeClr val="bg1"/>
-                </a:solidFill>
-                <a:latin typeface="Corbel" panose="020B0503020204020204" pitchFamily="34" charset="0"/>
-              </a:rPr>
-              <a:t>coupling</a:t>
-            </a:r>
-            <a:r>
-              <a:rPr lang="de-CH" dirty="0" smtClean="0">
-                <a:solidFill>
-                  <a:schemeClr val="bg1"/>
-                </a:solidFill>
-                <a:latin typeface="Corbel" panose="020B0503020204020204" pitchFamily="34" charset="0"/>
-              </a:rPr>
-              <a:t> </a:t>
-            </a:r>
-            <a:r>
-              <a:rPr lang="de-CH" dirty="0" err="1" smtClean="0">
-                <a:solidFill>
-                  <a:schemeClr val="bg1"/>
-                </a:solidFill>
-                <a:latin typeface="Corbel" panose="020B0503020204020204" pitchFamily="34" charset="0"/>
-              </a:rPr>
-              <a:t>between</a:t>
-            </a:r>
-            <a:r>
-              <a:rPr lang="de-CH" dirty="0" smtClean="0">
-                <a:solidFill>
-                  <a:schemeClr val="bg1"/>
-                </a:solidFill>
-                <a:latin typeface="Corbel" panose="020B0503020204020204" pitchFamily="34" charset="0"/>
-              </a:rPr>
-              <a:t> </a:t>
-            </a:r>
-            <a:r>
-              <a:rPr lang="de-CH" dirty="0" err="1" smtClean="0">
-                <a:solidFill>
-                  <a:schemeClr val="bg1"/>
-                </a:solidFill>
-                <a:latin typeface="Corbel" panose="020B0503020204020204" pitchFamily="34" charset="0"/>
-              </a:rPr>
-              <a:t>nodes</a:t>
-            </a:r>
-            <a:endParaRPr lang="de-CH" dirty="0" smtClean="0">
-              <a:solidFill>
-                <a:schemeClr val="bg1"/>
-              </a:solidFill>
-              <a:latin typeface="Corbel" panose="020B0503020204020204" pitchFamily="34" charset="0"/>
-            </a:endParaRPr>
-          </a:p>
-          <a:p>
-            <a:r>
-              <a:rPr lang="de-CH" b="1" dirty="0" smtClean="0">
-                <a:solidFill>
-                  <a:schemeClr val="bg1"/>
-                </a:solidFill>
-                <a:latin typeface="Corbel" panose="020B0503020204020204" pitchFamily="34" charset="0"/>
-              </a:rPr>
-              <a:t>Data Storage </a:t>
-            </a:r>
-            <a:r>
               <a:rPr lang="de-CH" b="1" dirty="0" err="1" smtClean="0">
                 <a:solidFill>
                   <a:schemeClr val="bg1"/>
                 </a:solidFill>
                 <a:latin typeface="Corbel" panose="020B0503020204020204" pitchFamily="34" charset="0"/>
               </a:rPr>
-              <a:t>Challenges</a:t>
+              <a:t>data</a:t>
             </a:r>
             <a:endParaRPr lang="de-CH" b="1" dirty="0" smtClean="0">
-              <a:solidFill>
-                <a:schemeClr val="bg1"/>
-              </a:solidFill>
-              <a:latin typeface="Corbel" panose="020B0503020204020204" pitchFamily="34" charset="0"/>
-            </a:endParaRPr>
-          </a:p>
-          <a:p>
-            <a:pPr lvl="1"/>
-            <a:r>
-              <a:rPr lang="de-CH" dirty="0" err="1" smtClean="0">
-                <a:solidFill>
-                  <a:schemeClr val="bg1"/>
-                </a:solidFill>
-                <a:latin typeface="Corbel" panose="020B0503020204020204" pitchFamily="34" charset="0"/>
-              </a:rPr>
-              <a:t>Distinguish</a:t>
-            </a:r>
-            <a:r>
-              <a:rPr lang="de-CH" dirty="0" smtClean="0">
-                <a:solidFill>
-                  <a:schemeClr val="bg1"/>
-                </a:solidFill>
-                <a:latin typeface="Corbel" panose="020B0503020204020204" pitchFamily="34" charset="0"/>
-              </a:rPr>
-              <a:t> different </a:t>
-            </a:r>
-            <a:r>
-              <a:rPr lang="de-CH" dirty="0" err="1" smtClean="0">
-                <a:solidFill>
-                  <a:schemeClr val="bg1"/>
-                </a:solidFill>
-                <a:latin typeface="Corbel" panose="020B0503020204020204" pitchFamily="34" charset="0"/>
-              </a:rPr>
-              <a:t>result</a:t>
-            </a:r>
-            <a:r>
-              <a:rPr lang="de-CH" dirty="0" smtClean="0">
-                <a:solidFill>
-                  <a:schemeClr val="bg1"/>
-                </a:solidFill>
-                <a:latin typeface="Corbel" panose="020B0503020204020204" pitchFamily="34" charset="0"/>
-              </a:rPr>
-              <a:t> </a:t>
-            </a:r>
-            <a:r>
-              <a:rPr lang="de-CH" dirty="0" err="1" smtClean="0">
-                <a:solidFill>
-                  <a:schemeClr val="bg1"/>
-                </a:solidFill>
-                <a:latin typeface="Corbel" panose="020B0503020204020204" pitchFamily="34" charset="0"/>
-              </a:rPr>
-              <a:t>sets</a:t>
-            </a:r>
-            <a:r>
-              <a:rPr lang="de-CH" dirty="0" smtClean="0">
-                <a:solidFill>
-                  <a:schemeClr val="bg1"/>
-                </a:solidFill>
-                <a:latin typeface="Corbel" panose="020B0503020204020204" pitchFamily="34" charset="0"/>
-              </a:rPr>
-              <a:t> </a:t>
-            </a:r>
-            <a:r>
-              <a:rPr lang="de-CH" dirty="0" err="1" smtClean="0">
-                <a:solidFill>
-                  <a:schemeClr val="bg1"/>
-                </a:solidFill>
-                <a:latin typeface="Corbel" panose="020B0503020204020204" pitchFamily="34" charset="0"/>
-              </a:rPr>
-              <a:t>by</a:t>
-            </a:r>
-            <a:r>
-              <a:rPr lang="de-CH" dirty="0" smtClean="0">
-                <a:solidFill>
-                  <a:schemeClr val="bg1"/>
-                </a:solidFill>
-                <a:latin typeface="Corbel" panose="020B0503020204020204" pitchFamily="34" charset="0"/>
-              </a:rPr>
-              <a:t> </a:t>
-            </a:r>
-            <a:r>
-              <a:rPr lang="de-CH" dirty="0" err="1" smtClean="0">
-                <a:solidFill>
-                  <a:schemeClr val="bg1"/>
-                </a:solidFill>
-                <a:latin typeface="Corbel" panose="020B0503020204020204" pitchFamily="34" charset="0"/>
-              </a:rPr>
-              <a:t>storing</a:t>
-            </a:r>
-            <a:r>
-              <a:rPr lang="de-CH" dirty="0" smtClean="0">
-                <a:solidFill>
-                  <a:schemeClr val="bg1"/>
-                </a:solidFill>
-                <a:latin typeface="Corbel" panose="020B0503020204020204" pitchFamily="34" charset="0"/>
-              </a:rPr>
-              <a:t> </a:t>
-            </a:r>
-            <a:r>
-              <a:rPr lang="de-CH" dirty="0" err="1" smtClean="0">
-                <a:solidFill>
-                  <a:schemeClr val="bg1"/>
-                </a:solidFill>
-                <a:latin typeface="Corbel" panose="020B0503020204020204" pitchFamily="34" charset="0"/>
-              </a:rPr>
-              <a:t>each</a:t>
-            </a:r>
-            <a:r>
-              <a:rPr lang="de-CH" dirty="0" smtClean="0">
-                <a:solidFill>
-                  <a:schemeClr val="bg1"/>
-                </a:solidFill>
-                <a:latin typeface="Corbel" panose="020B0503020204020204" pitchFamily="34" charset="0"/>
-              </a:rPr>
-              <a:t> </a:t>
-            </a:r>
-            <a:r>
-              <a:rPr lang="de-CH" dirty="0" err="1" smtClean="0">
-                <a:solidFill>
-                  <a:schemeClr val="bg1"/>
-                </a:solidFill>
-                <a:latin typeface="Corbel" panose="020B0503020204020204" pitchFamily="34" charset="0"/>
-              </a:rPr>
-              <a:t>node’s</a:t>
-            </a:r>
-            <a:r>
-              <a:rPr lang="de-CH" dirty="0" smtClean="0">
-                <a:solidFill>
-                  <a:schemeClr val="bg1"/>
-                </a:solidFill>
-                <a:latin typeface="Corbel" panose="020B0503020204020204" pitchFamily="34" charset="0"/>
-              </a:rPr>
-              <a:t> </a:t>
-            </a:r>
-            <a:r>
-              <a:rPr lang="de-CH" dirty="0" err="1" smtClean="0">
-                <a:solidFill>
-                  <a:schemeClr val="bg1"/>
-                </a:solidFill>
-                <a:latin typeface="Corbel" panose="020B0503020204020204" pitchFamily="34" charset="0"/>
-              </a:rPr>
-              <a:t>results</a:t>
-            </a:r>
-            <a:r>
-              <a:rPr lang="de-CH" dirty="0" smtClean="0">
-                <a:solidFill>
-                  <a:schemeClr val="bg1"/>
-                </a:solidFill>
-                <a:latin typeface="Corbel" panose="020B0503020204020204" pitchFamily="34" charset="0"/>
-              </a:rPr>
-              <a:t> </a:t>
-            </a:r>
-            <a:r>
-              <a:rPr lang="de-CH" dirty="0" err="1" smtClean="0">
-                <a:solidFill>
-                  <a:schemeClr val="bg1"/>
-                </a:solidFill>
-                <a:latin typeface="Corbel" panose="020B0503020204020204" pitchFamily="34" charset="0"/>
-              </a:rPr>
-              <a:t>into</a:t>
-            </a:r>
-            <a:r>
-              <a:rPr lang="de-CH" dirty="0" smtClean="0">
-                <a:solidFill>
-                  <a:schemeClr val="bg1"/>
-                </a:solidFill>
-                <a:latin typeface="Corbel" panose="020B0503020204020204" pitchFamily="34" charset="0"/>
-              </a:rPr>
-              <a:t> an </a:t>
-            </a:r>
-            <a:r>
-              <a:rPr lang="de-CH" dirty="0" err="1" smtClean="0">
-                <a:solidFill>
-                  <a:schemeClr val="bg1"/>
-                </a:solidFill>
-                <a:latin typeface="Corbel" panose="020B0503020204020204" pitchFamily="34" charset="0"/>
-              </a:rPr>
-              <a:t>own</a:t>
-            </a:r>
-            <a:r>
-              <a:rPr lang="de-CH" dirty="0" smtClean="0">
-                <a:solidFill>
-                  <a:schemeClr val="bg1"/>
-                </a:solidFill>
-                <a:latin typeface="Corbel" panose="020B0503020204020204" pitchFamily="34" charset="0"/>
-              </a:rPr>
-              <a:t> </a:t>
-            </a:r>
-            <a:r>
-              <a:rPr lang="de-CH" dirty="0" err="1" smtClean="0">
-                <a:solidFill>
-                  <a:schemeClr val="bg1"/>
-                </a:solidFill>
-                <a:latin typeface="Corbel" panose="020B0503020204020204" pitchFamily="34" charset="0"/>
-              </a:rPr>
-              <a:t>part</a:t>
-            </a:r>
-            <a:r>
-              <a:rPr lang="de-CH" dirty="0" smtClean="0">
-                <a:solidFill>
-                  <a:schemeClr val="bg1"/>
-                </a:solidFill>
-                <a:latin typeface="Corbel" panose="020B0503020204020204" pitchFamily="34" charset="0"/>
-              </a:rPr>
-              <a:t> </a:t>
-            </a:r>
-            <a:r>
-              <a:rPr lang="de-CH" dirty="0" err="1" smtClean="0">
-                <a:solidFill>
-                  <a:schemeClr val="bg1"/>
-                </a:solidFill>
-                <a:latin typeface="Corbel" panose="020B0503020204020204" pitchFamily="34" charset="0"/>
-              </a:rPr>
-              <a:t>of</a:t>
-            </a:r>
-            <a:r>
-              <a:rPr lang="de-CH" dirty="0" smtClean="0">
-                <a:solidFill>
-                  <a:schemeClr val="bg1"/>
-                </a:solidFill>
-                <a:latin typeface="Corbel" panose="020B0503020204020204" pitchFamily="34" charset="0"/>
-              </a:rPr>
-              <a:t> </a:t>
-            </a:r>
-            <a:r>
-              <a:rPr lang="de-CH" dirty="0" err="1" smtClean="0">
-                <a:solidFill>
-                  <a:schemeClr val="bg1"/>
-                </a:solidFill>
-                <a:latin typeface="Corbel" panose="020B0503020204020204" pitchFamily="34" charset="0"/>
-              </a:rPr>
-              <a:t>the</a:t>
-            </a:r>
-            <a:r>
-              <a:rPr lang="de-CH" dirty="0" smtClean="0">
-                <a:solidFill>
-                  <a:schemeClr val="bg1"/>
-                </a:solidFill>
-                <a:latin typeface="Corbel" panose="020B0503020204020204" pitchFamily="34" charset="0"/>
-              </a:rPr>
-              <a:t> DHT (</a:t>
-            </a:r>
-            <a:r>
-              <a:rPr lang="de-CH" dirty="0" err="1" smtClean="0">
-                <a:solidFill>
-                  <a:schemeClr val="bg1"/>
-                </a:solidFill>
-                <a:latin typeface="Corbel" panose="020B0503020204020204" pitchFamily="34" charset="0"/>
-              </a:rPr>
-              <a:t>domain</a:t>
-            </a:r>
-            <a:r>
-              <a:rPr lang="de-CH" dirty="0">
-                <a:solidFill>
-                  <a:schemeClr val="bg1"/>
-                </a:solidFill>
-                <a:latin typeface="Corbel" panose="020B0503020204020204" pitchFamily="34" charset="0"/>
-              </a:rPr>
-              <a:t>)</a:t>
-            </a:r>
-            <a:endParaRPr lang="de-CH" dirty="0" smtClean="0">
-              <a:solidFill>
-                <a:schemeClr val="bg1"/>
-              </a:solidFill>
-              <a:latin typeface="Corbel" panose="020B0503020204020204" pitchFamily="34" charset="0"/>
-            </a:endParaRPr>
-          </a:p>
-          <a:p>
-            <a:pPr lvl="1"/>
-            <a:r>
-              <a:rPr lang="de-CH" dirty="0" err="1" smtClean="0">
-                <a:solidFill>
-                  <a:schemeClr val="bg1"/>
-                </a:solidFill>
-                <a:latin typeface="Corbel" panose="020B0503020204020204" pitchFamily="34" charset="0"/>
-              </a:rPr>
-              <a:t>Only</a:t>
-            </a:r>
-            <a:r>
-              <a:rPr lang="de-CH" dirty="0" smtClean="0">
-                <a:solidFill>
-                  <a:schemeClr val="bg1"/>
-                </a:solidFill>
-                <a:latin typeface="Corbel" panose="020B0503020204020204" pitchFamily="34" charset="0"/>
-              </a:rPr>
-              <a:t> send </a:t>
-            </a:r>
-            <a:r>
-              <a:rPr lang="de-CH" dirty="0" err="1" smtClean="0">
-                <a:solidFill>
-                  <a:schemeClr val="bg1"/>
-                </a:solidFill>
-                <a:latin typeface="Corbel" panose="020B0503020204020204" pitchFamily="34" charset="0"/>
-              </a:rPr>
-              <a:t>locations</a:t>
-            </a:r>
-            <a:r>
-              <a:rPr lang="de-CH" dirty="0" smtClean="0">
-                <a:solidFill>
-                  <a:schemeClr val="bg1"/>
-                </a:solidFill>
-                <a:latin typeface="Corbel" panose="020B0503020204020204" pitchFamily="34" charset="0"/>
-              </a:rPr>
-              <a:t> </a:t>
-            </a:r>
-            <a:r>
-              <a:rPr lang="de-CH" dirty="0" err="1" smtClean="0">
-                <a:solidFill>
-                  <a:schemeClr val="bg1"/>
-                </a:solidFill>
-                <a:latin typeface="Corbel" panose="020B0503020204020204" pitchFamily="34" charset="0"/>
-              </a:rPr>
-              <a:t>of</a:t>
-            </a:r>
-            <a:r>
-              <a:rPr lang="de-CH" dirty="0" smtClean="0">
-                <a:solidFill>
-                  <a:schemeClr val="bg1"/>
-                </a:solidFill>
-                <a:latin typeface="Corbel" panose="020B0503020204020204" pitchFamily="34" charset="0"/>
-              </a:rPr>
-              <a:t> </a:t>
-            </a:r>
-            <a:r>
-              <a:rPr lang="de-CH" dirty="0" err="1" smtClean="0">
-                <a:solidFill>
-                  <a:schemeClr val="bg1"/>
-                </a:solidFill>
-                <a:latin typeface="Corbel" panose="020B0503020204020204" pitchFamily="34" charset="0"/>
-              </a:rPr>
-              <a:t>data</a:t>
-            </a:r>
-            <a:r>
-              <a:rPr lang="de-CH" dirty="0" smtClean="0">
-                <a:solidFill>
-                  <a:schemeClr val="bg1"/>
-                </a:solidFill>
-                <a:latin typeface="Corbel" panose="020B0503020204020204" pitchFamily="34" charset="0"/>
-              </a:rPr>
-              <a:t> via </a:t>
-            </a:r>
-            <a:r>
-              <a:rPr lang="de-CH" dirty="0" err="1" smtClean="0">
-                <a:solidFill>
-                  <a:schemeClr val="bg1"/>
-                </a:solidFill>
-                <a:latin typeface="Corbel" panose="020B0503020204020204" pitchFamily="34" charset="0"/>
-              </a:rPr>
-              <a:t>broadcasts</a:t>
-            </a:r>
-            <a:r>
-              <a:rPr lang="de-CH" dirty="0" smtClean="0">
-                <a:solidFill>
-                  <a:schemeClr val="bg1"/>
-                </a:solidFill>
-                <a:latin typeface="Corbel" panose="020B0503020204020204" pitchFamily="34" charset="0"/>
-              </a:rPr>
-              <a:t>, </a:t>
-            </a:r>
-            <a:r>
-              <a:rPr lang="de-CH" dirty="0" err="1" smtClean="0">
-                <a:solidFill>
-                  <a:schemeClr val="bg1"/>
-                </a:solidFill>
-                <a:latin typeface="Corbel" panose="020B0503020204020204" pitchFamily="34" charset="0"/>
-              </a:rPr>
-              <a:t>no</a:t>
-            </a:r>
-            <a:r>
-              <a:rPr lang="de-CH" dirty="0" smtClean="0">
-                <a:solidFill>
-                  <a:schemeClr val="bg1"/>
-                </a:solidFill>
-                <a:latin typeface="Corbel" panose="020B0503020204020204" pitchFamily="34" charset="0"/>
-              </a:rPr>
-              <a:t> </a:t>
-            </a:r>
-            <a:r>
-              <a:rPr lang="de-CH" dirty="0" err="1" smtClean="0">
-                <a:solidFill>
-                  <a:schemeClr val="bg1"/>
-                </a:solidFill>
-                <a:latin typeface="Corbel" panose="020B0503020204020204" pitchFamily="34" charset="0"/>
-              </a:rPr>
-              <a:t>actual</a:t>
-            </a:r>
-            <a:r>
-              <a:rPr lang="de-CH" dirty="0" smtClean="0">
-                <a:solidFill>
-                  <a:schemeClr val="bg1"/>
-                </a:solidFill>
-                <a:latin typeface="Corbel" panose="020B0503020204020204" pitchFamily="34" charset="0"/>
-              </a:rPr>
-              <a:t> </a:t>
-            </a:r>
-            <a:r>
-              <a:rPr lang="de-CH" dirty="0" err="1" smtClean="0">
-                <a:solidFill>
-                  <a:schemeClr val="bg1"/>
-                </a:solidFill>
-                <a:latin typeface="Corbel" panose="020B0503020204020204" pitchFamily="34" charset="0"/>
-              </a:rPr>
-              <a:t>data</a:t>
-            </a:r>
-            <a:endParaRPr lang="de-CH" dirty="0" smtClean="0">
               <a:solidFill>
                 <a:schemeClr val="bg1"/>
               </a:solidFill>
@@ -21510,10 +21742,8 @@
                 </a:solidFill>
                 <a:latin typeface="Corbel" panose="020B0503020204020204" pitchFamily="34" charset="0"/>
               </a:rPr>
-              <a:t> in an own domain in the DHT (using TomP2P’s domain key feature)</a:t>
-            </a:r>
-          </a:p>
-          <a:p>
+              <a:t> into a </a:t>
+            </a:r>
             <a:r>
               <a:rPr lang="en-GB" b="1" dirty="0" smtClean="0">
                 <a:solidFill>
@@ -21521,6 +21751,44 @@
                 </a:solidFill>
                 <a:latin typeface="Corbel" panose="020B0503020204020204" pitchFamily="34" charset="0"/>
               </a:rPr>
+              <a:t>separate</a:t>
+            </a:r>
+            <a:r>
+              <a:rPr lang="en-GB" dirty="0" smtClean="0">
+                <a:solidFill>
+                  <a:schemeClr val="bg1"/>
+                </a:solidFill>
+                <a:latin typeface="Corbel" panose="020B0503020204020204" pitchFamily="34" charset="0"/>
+              </a:rPr>
+              <a:t> </a:t>
+            </a:r>
+            <a:r>
+              <a:rPr lang="en-GB" b="1" dirty="0" smtClean="0">
+                <a:solidFill>
+                  <a:schemeClr val="bg1"/>
+                </a:solidFill>
+                <a:latin typeface="Corbel" panose="020B0503020204020204" pitchFamily="34" charset="0"/>
+              </a:rPr>
+              <a:t>domain</a:t>
+            </a:r>
+            <a:r>
+              <a:rPr lang="en-GB" dirty="0" smtClean="0">
+                <a:solidFill>
+                  <a:schemeClr val="bg1"/>
+                </a:solidFill>
+                <a:latin typeface="Corbel" panose="020B0503020204020204" pitchFamily="34" charset="0"/>
+              </a:rPr>
+              <a:t> in the DHT </a:t>
+            </a:r>
+          </a:p>
+          <a:p>
+            <a:r>
+              <a:rPr lang="en-GB" b="1" dirty="0" smtClean="0">
+                <a:solidFill>
+                  <a:schemeClr val="bg1"/>
+                </a:solidFill>
+                <a:latin typeface="Corbel" panose="020B0503020204020204" pitchFamily="34" charset="0"/>
+              </a:rPr>
               <a:t>Broadcast</a:t>
             </a:r>
             <a:r>
@@ -21560,7 +21828,25 @@
                 </a:solidFill>
                 <a:latin typeface="Corbel" panose="020B0503020204020204" pitchFamily="34" charset="0"/>
               </a:rPr>
-              <a:t>if a domain is not received, execution simply takes longer</a:t>
+              <a:t>if a domain is </a:t>
+            </a:r>
+            <a:r>
+              <a:rPr lang="en-GB" b="1" dirty="0" smtClean="0">
+                <a:solidFill>
+                  <a:schemeClr val="bg1"/>
+                </a:solidFill>
+                <a:latin typeface="Corbel" panose="020B0503020204020204" pitchFamily="34" charset="0"/>
+              </a:rPr>
+              <a:t>not received</a:t>
+            </a:r>
+            <a:r>
+              <a:rPr lang="en-GB" dirty="0" smtClean="0">
+                <a:solidFill>
+                  <a:schemeClr val="bg1"/>
+                </a:solidFill>
+                <a:latin typeface="Corbel" panose="020B0503020204020204" pitchFamily="34" charset="0"/>
+              </a:rPr>
+              <a:t>, finishing a job simply takes longer</a:t>
             </a:r>
           </a:p>
           <a:p>
@@ -21620,7 +21906,7 @@
                 </a:solidFill>
                 <a:latin typeface="Corbel" panose="020B0503020204020204" pitchFamily="34" charset="0"/>
               </a:rPr>
-              <a:t> sending the broadcast, its data may still be used by other nodes as it is safely stored within the DHT</a:t>
+              <a:t> sending the broadcast, its data may still be used by other nodes as it is safely stored in its domain in the DHT</a:t>
             </a:r>
           </a:p>
           <a:p>
@@ -21928,7 +22214,7 @@
         </p:nvSpPr>
         <p:spPr>
           <a:xfrm>
-            <a:off x="1192174" y="3056077"/>
+            <a:off x="1192174" y="3061702"/>
             <a:ext cx="1693379" cy="337949"/>
           </a:xfrm>
           <a:prstGeom prst="roundRect">
@@ -22131,8 +22417,8 @@
         </p:nvSpPr>
         <p:spPr>
           <a:xfrm>
-            <a:off x="3544319" y="2780864"/>
-            <a:ext cx="2069512" cy="888377"/>
+            <a:off x="3552983" y="2764553"/>
+            <a:ext cx="2069512" cy="932247"/>
           </a:xfrm>
           <a:prstGeom prst="rect">
             <a:avLst/>
@@ -22161,15 +22447,107 @@
           </a:fontRef>
         </p:style>
         <p:txBody>
-          <a:bodyPr rtlCol="0" anchor="ctr"/>
+          <a:bodyPr rtlCol="0" anchor="t" anchorCtr="0"/>
           <a:lstStyle/>
           <a:p>
-            <a:pPr algn="ctr"/>
             <a:r>
               <a:rPr lang="de-CH" b="1" dirty="0" err="1" smtClean="0"/>
               <a:t>WordCountMapper</a:t>
             </a:r>
-            <a:endParaRPr lang="de-CH" b="1" dirty="0"/>
+            <a:endParaRPr lang="de-CH" b="1" dirty="0" smtClean="0"/>
+          </a:p>
+          <a:p>
+            <a:r>
+              <a:rPr lang="de-CH" sz="1200" dirty="0" err="1" smtClean="0">
+                <a:latin typeface="Consolas" panose="020B0609020204030204" pitchFamily="49" charset="0"/>
+              </a:rPr>
+              <a:t>foreach</a:t>
+            </a:r>
+            <a:r>
+              <a:rPr lang="de-CH" sz="1200" dirty="0" smtClean="0">
+                <a:latin typeface="Consolas" panose="020B0609020204030204" pitchFamily="49" charset="0"/>
+              </a:rPr>
+              <a:t>(</a:t>
+            </a:r>
+            <a:r>
+              <a:rPr lang="de-CH" sz="1200" dirty="0" err="1" smtClean="0">
+                <a:latin typeface="Consolas" panose="020B0609020204030204" pitchFamily="49" charset="0"/>
+              </a:rPr>
+              <a:t>word</a:t>
+            </a:r>
+            <a:r>
+              <a:rPr lang="de-CH" sz="1200" dirty="0">
+                <a:latin typeface="Consolas" panose="020B0609020204030204" pitchFamily="49" charset="0"/>
+              </a:rPr>
+              <a:t> </a:t>
+            </a:r>
+            <a:r>
+              <a:rPr lang="de-CH" sz="1200" dirty="0" smtClean="0">
+                <a:latin typeface="Consolas" panose="020B0609020204030204" pitchFamily="49" charset="0"/>
+              </a:rPr>
+              <a:t>in </a:t>
+            </a:r>
+            <a:r>
+              <a:rPr lang="de-CH" sz="1200" dirty="0" err="1" smtClean="0">
+                <a:latin typeface="Consolas" panose="020B0609020204030204" pitchFamily="49" charset="0"/>
+              </a:rPr>
+              <a:t>file</a:t>
+            </a:r>
+            <a:r>
+              <a:rPr lang="de-CH" sz="1200" dirty="0" smtClean="0">
+                <a:latin typeface="Consolas" panose="020B0609020204030204" pitchFamily="49" charset="0"/>
+              </a:rPr>
+              <a:t>){   </a:t>
+            </a:r>
+          </a:p>
+          <a:p>
+            <a:r>
+              <a:rPr lang="de-CH" sz="1200" dirty="0">
+                <a:latin typeface="Consolas" panose="020B0609020204030204" pitchFamily="49" charset="0"/>
+              </a:rPr>
+              <a:t> </a:t>
+            </a:r>
+            <a:r>
+              <a:rPr lang="de-CH" sz="1200" dirty="0" smtClean="0">
+                <a:latin typeface="Consolas" panose="020B0609020204030204" pitchFamily="49" charset="0"/>
+              </a:rPr>
+              <a:t>   </a:t>
+            </a:r>
+            <a:r>
+              <a:rPr lang="de-CH" sz="1200" dirty="0" err="1" smtClean="0">
+                <a:latin typeface="Consolas" panose="020B0609020204030204" pitchFamily="49" charset="0"/>
+              </a:rPr>
+              <a:t>emit</a:t>
+            </a:r>
+            <a:r>
+              <a:rPr lang="de-CH" sz="1200" dirty="0" smtClean="0">
+                <a:latin typeface="Consolas" panose="020B0609020204030204" pitchFamily="49" charset="0"/>
+              </a:rPr>
+              <a:t>(</a:t>
+            </a:r>
+            <a:r>
+              <a:rPr lang="de-CH" sz="1200" dirty="0" err="1" smtClean="0">
+                <a:latin typeface="Consolas" panose="020B0609020204030204" pitchFamily="49" charset="0"/>
+              </a:rPr>
+              <a:t>word</a:t>
+            </a:r>
+            <a:r>
+              <a:rPr lang="de-CH" sz="1200" dirty="0" smtClean="0">
+                <a:latin typeface="Consolas" panose="020B0609020204030204" pitchFamily="49" charset="0"/>
+              </a:rPr>
+              <a:t>, 1)</a:t>
+            </a:r>
+          </a:p>
+          <a:p>
+            <a:r>
+              <a:rPr lang="de-CH" sz="1200" dirty="0" smtClean="0">
+                <a:latin typeface="Consolas" panose="020B0609020204030204" pitchFamily="49" charset="0"/>
+              </a:rPr>
+              <a:t>}</a:t>
+            </a:r>
+            <a:endParaRPr lang="de-CH" sz="1200" dirty="0">
+              <a:latin typeface="Consolas" panose="020B0609020204030204" pitchFamily="49" charset="0"/>
+            </a:endParaRPr>
           </a:p>
         </p:txBody>
       </p:sp>
@@ -22184,8 +22562,8 @@
         </p:nvCxnSpPr>
         <p:spPr>
           <a:xfrm>
-            <a:off x="2885553" y="3225052"/>
-            <a:ext cx="658766" cy="1"/>
+            <a:off x="2885553" y="3230677"/>
+            <a:ext cx="667430" cy="0"/>
           </a:xfrm>
           <a:prstGeom prst="straightConnector1">
             <a:avLst/>
@@ -22220,7 +22598,7 @@
         </p:nvSpPr>
         <p:spPr>
           <a:xfrm>
-            <a:off x="502493" y="3024694"/>
+            <a:off x="502493" y="3046010"/>
             <a:ext cx="627095" cy="369332"/>
           </a:xfrm>
           <a:prstGeom prst="rect">
@@ -22258,7 +22636,13 @@
           <p:cNvGraphicFramePr>
             <a:graphicFrameLocks noGrp="1"/>
           </p:cNvGraphicFramePr>
-          <p:nvPr/>
+          <p:nvPr>
+            <p:extLst>
+              <p:ext uri="{D42A27DB-BD31-4B8C-83A1-F6EECF244321}">
+                <p14:modId xmlns:p14="http://schemas.microsoft.com/office/powerpoint/2010/main" val="2979799434"/>
+              </p:ext>
+            </p:extLst>
+          </p:nvPr>
         </p:nvGraphicFramePr>
         <p:xfrm>
           <a:off x="6222516" y="2133396"/>
@@ -22531,9 +22915,9 @@
           <p:nvPr/>
         </p:nvCxnSpPr>
         <p:spPr>
-          <a:xfrm>
-            <a:off x="5613831" y="3225053"/>
-            <a:ext cx="608685" cy="5623"/>
+          <a:xfrm flipV="1">
+            <a:off x="5622495" y="3230676"/>
+            <a:ext cx="600021" cy="1"/>
           </a:xfrm>
           <a:prstGeom prst="straightConnector1">
             <a:avLst/>
@@ -22765,7 +23149,7 @@
         </p:nvSpPr>
         <p:spPr>
           <a:xfrm>
-            <a:off x="6181482" y="1714247"/>
+            <a:off x="6179151" y="1770471"/>
             <a:ext cx="1808508" cy="369332"/>
           </a:xfrm>
           <a:prstGeom prst="rect">
@@ -23148,44 +23532,6 @@
           </a:fontRef>
         </p:style>
       </p:cxnSp>
-      <p:cxnSp>
-        <p:nvCxnSpPr>
-          <p:cNvPr id="69" name="Gerader Verbinder 68"/>
-          <p:cNvCxnSpPr/>
-          <p:nvPr/>
-        </p:nvCxnSpPr>
-        <p:spPr>
-          <a:xfrm flipH="1">
-            <a:off x="502493" y="4524375"/>
-            <a:ext cx="11127533" cy="19050"/>
-          </a:xfrm>
-          <a:prstGeom prst="line">
-            <a:avLst/>
-          </a:prstGeom>
-          <a:ln w="76200">
-            <a:solidFill>
-              <a:schemeClr val="tx1">
-                <a:lumMod val="85000"/>
-                <a:lumOff val="15000"/>
-              </a:schemeClr>
-            </a:solidFill>
-          </a:ln>
-        </p:spPr>
-        <p:style>
-          <a:lnRef idx="1">
-            <a:schemeClr val="accent1"/>
-          </a:lnRef>
-          <a:fillRef idx="0">
-            <a:schemeClr val="accent1"/>
-          </a:fillRef>
-          <a:effectRef idx="0">
-            <a:schemeClr val="accent1"/>
-          </a:effectRef>
-          <a:fontRef idx="minor">
-            <a:schemeClr val="tx1"/>
-          </a:fontRef>
-        </p:style>
-      </p:cxnSp>
       <p:sp>
         <p:nvSpPr>
           <p:cNvPr id="72" name="Textfeld 71"/>
@@ -24034,7 +24380,7 @@
         </p:nvSpPr>
         <p:spPr>
           <a:xfrm>
-            <a:off x="6181482" y="1714247"/>
+            <a:off x="6179151" y="1770471"/>
             <a:ext cx="1808508" cy="369332"/>
           </a:xfrm>
           <a:prstGeom prst="rect">
